--- a/figure/Presentation1.pptx
+++ b/figure/Presentation1.pptx
@@ -129,7 +129,7 @@
           <p:cNvPr id="2" name="Title 1">
             <a:extLst>
               <a:ext uri="{FF2B5EF4-FFF2-40B4-BE49-F238E27FC236}">
-                <a16:creationId xmlns:a16="http://schemas.microsoft.com/office/drawing/2014/main" id="{754B2F1D-E2C2-0961-721B-C16C70330319}"/>
+                <a16:creationId xmlns:a16="http://schemas.microsoft.com/office/drawing/2014/main" id="{1406A916-1D15-DD5B-4704-134B50AC5365}"/>
               </a:ext>
             </a:extLst>
           </p:cNvPr>
@@ -158,6 +158,7 @@
               <a:rPr lang="en-US"/>
               <a:t>Click to edit Master title style</a:t>
             </a:r>
+            <a:endParaRPr lang="en-CA"/>
           </a:p>
         </p:txBody>
       </p:sp>
@@ -166,7 +167,7 @@
           <p:cNvPr id="3" name="Subtitle 2">
             <a:extLst>
               <a:ext uri="{FF2B5EF4-FFF2-40B4-BE49-F238E27FC236}">
-                <a16:creationId xmlns:a16="http://schemas.microsoft.com/office/drawing/2014/main" id="{BB7F0BC5-C88D-FCEC-8E3E-D0B9BAD4BA47}"/>
+                <a16:creationId xmlns:a16="http://schemas.microsoft.com/office/drawing/2014/main" id="{1504C8FB-EC22-3D72-7DA2-6045AEEA9887}"/>
               </a:ext>
             </a:extLst>
           </p:cNvPr>
@@ -228,6 +229,7 @@
               <a:rPr lang="en-US"/>
               <a:t>Click to edit Master subtitle style</a:t>
             </a:r>
+            <a:endParaRPr lang="en-CA"/>
           </a:p>
         </p:txBody>
       </p:sp>
@@ -236,7 +238,7 @@
           <p:cNvPr id="4" name="Date Placeholder 3">
             <a:extLst>
               <a:ext uri="{FF2B5EF4-FFF2-40B4-BE49-F238E27FC236}">
-                <a16:creationId xmlns:a16="http://schemas.microsoft.com/office/drawing/2014/main" id="{120173F0-3C87-8063-4C56-ADEAB81350CA}"/>
+                <a16:creationId xmlns:a16="http://schemas.microsoft.com/office/drawing/2014/main" id="{D20D4AE5-C1BE-E414-2038-992E6CFEBA2C}"/>
               </a:ext>
             </a:extLst>
           </p:cNvPr>
@@ -252,11 +254,11 @@
           <a:bodyPr/>
           <a:lstStyle/>
           <a:p>
-            <a:fld id="{2AF84ADB-87B4-9341-902F-CF833E5A47C4}" type="datetimeFigureOut">
-              <a:rPr lang="en-US" smtClean="0"/>
-              <a:t>11/1/24</a:t>
+            <a:fld id="{8007EC4D-DC88-F14A-B163-91DAE3612031}" type="datetimeFigureOut">
+              <a:rPr lang="en-CA" smtClean="0"/>
+              <a:t>2025-06-04</a:t>
             </a:fld>
-            <a:endParaRPr lang="en-US"/>
+            <a:endParaRPr lang="en-CA"/>
           </a:p>
         </p:txBody>
       </p:sp>
@@ -265,7 +267,7 @@
           <p:cNvPr id="5" name="Footer Placeholder 4">
             <a:extLst>
               <a:ext uri="{FF2B5EF4-FFF2-40B4-BE49-F238E27FC236}">
-                <a16:creationId xmlns:a16="http://schemas.microsoft.com/office/drawing/2014/main" id="{4764BE00-8270-A3FE-2AE7-6FF7C084E38B}"/>
+                <a16:creationId xmlns:a16="http://schemas.microsoft.com/office/drawing/2014/main" id="{32D29940-805C-A62B-2C9C-8413952B2C34}"/>
               </a:ext>
             </a:extLst>
           </p:cNvPr>
@@ -281,7 +283,7 @@
           <a:bodyPr/>
           <a:lstStyle/>
           <a:p>
-            <a:endParaRPr lang="en-US"/>
+            <a:endParaRPr lang="en-CA"/>
           </a:p>
         </p:txBody>
       </p:sp>
@@ -290,7 +292,7 @@
           <p:cNvPr id="6" name="Slide Number Placeholder 5">
             <a:extLst>
               <a:ext uri="{FF2B5EF4-FFF2-40B4-BE49-F238E27FC236}">
-                <a16:creationId xmlns:a16="http://schemas.microsoft.com/office/drawing/2014/main" id="{0A2F1889-AA9E-1447-B722-B0844D0AEC43}"/>
+                <a16:creationId xmlns:a16="http://schemas.microsoft.com/office/drawing/2014/main" id="{7E4011D5-9103-5F47-23F1-D0DE74F629A9}"/>
               </a:ext>
             </a:extLst>
           </p:cNvPr>
@@ -306,18 +308,18 @@
           <a:bodyPr/>
           <a:lstStyle/>
           <a:p>
-            <a:fld id="{6CEEB81B-F6E5-2441-B229-A35F4491FA12}" type="slidenum">
-              <a:rPr lang="en-US" smtClean="0"/>
+            <a:fld id="{38541CA1-ABF4-7648-9875-9F537D7AD8BC}" type="slidenum">
+              <a:rPr lang="en-CA" smtClean="0"/>
               <a:t>‹#›</a:t>
             </a:fld>
-            <a:endParaRPr lang="en-US"/>
+            <a:endParaRPr lang="en-CA"/>
           </a:p>
         </p:txBody>
       </p:sp>
     </p:spTree>
     <p:extLst>
       <p:ext uri="{BB962C8B-B14F-4D97-AF65-F5344CB8AC3E}">
-        <p14:creationId xmlns:p14="http://schemas.microsoft.com/office/powerpoint/2010/main" val="774806706"/>
+        <p14:creationId xmlns:p14="http://schemas.microsoft.com/office/powerpoint/2010/main" val="1075759328"/>
       </p:ext>
     </p:extLst>
   </p:cSld>
@@ -349,7 +351,7 @@
           <p:cNvPr id="2" name="Title 1">
             <a:extLst>
               <a:ext uri="{FF2B5EF4-FFF2-40B4-BE49-F238E27FC236}">
-                <a16:creationId xmlns:a16="http://schemas.microsoft.com/office/drawing/2014/main" id="{F5CC6F86-F12F-CCB9-B63C-A4AE10644078}"/>
+                <a16:creationId xmlns:a16="http://schemas.microsoft.com/office/drawing/2014/main" id="{DF58F144-FCCE-52E8-504E-5F3294E98CE7}"/>
               </a:ext>
             </a:extLst>
           </p:cNvPr>
@@ -369,6 +371,7 @@
               <a:rPr lang="en-US"/>
               <a:t>Click to edit Master title style</a:t>
             </a:r>
+            <a:endParaRPr lang="en-CA"/>
           </a:p>
         </p:txBody>
       </p:sp>
@@ -377,7 +380,7 @@
           <p:cNvPr id="3" name="Vertical Text Placeholder 2">
             <a:extLst>
               <a:ext uri="{FF2B5EF4-FFF2-40B4-BE49-F238E27FC236}">
-                <a16:creationId xmlns:a16="http://schemas.microsoft.com/office/drawing/2014/main" id="{9CF21F88-2D04-3A79-5E7D-FFAA83C52BBF}"/>
+                <a16:creationId xmlns:a16="http://schemas.microsoft.com/office/drawing/2014/main" id="{F7146016-7B42-1A0B-99CC-902D3B4A3E6C}"/>
               </a:ext>
             </a:extLst>
           </p:cNvPr>
@@ -426,6 +429,7 @@
               <a:rPr lang="en-US"/>
               <a:t>Fifth level</a:t>
             </a:r>
+            <a:endParaRPr lang="en-CA"/>
           </a:p>
         </p:txBody>
       </p:sp>
@@ -434,7 +438,7 @@
           <p:cNvPr id="4" name="Date Placeholder 3">
             <a:extLst>
               <a:ext uri="{FF2B5EF4-FFF2-40B4-BE49-F238E27FC236}">
-                <a16:creationId xmlns:a16="http://schemas.microsoft.com/office/drawing/2014/main" id="{065A5ADF-CDAF-6FD8-45A3-E4068ABDA1AD}"/>
+                <a16:creationId xmlns:a16="http://schemas.microsoft.com/office/drawing/2014/main" id="{9D07804B-D9CC-FB15-3E26-261F74B39F8B}"/>
               </a:ext>
             </a:extLst>
           </p:cNvPr>
@@ -450,11 +454,11 @@
           <a:bodyPr/>
           <a:lstStyle/>
           <a:p>
-            <a:fld id="{2AF84ADB-87B4-9341-902F-CF833E5A47C4}" type="datetimeFigureOut">
-              <a:rPr lang="en-US" smtClean="0"/>
-              <a:t>11/1/24</a:t>
+            <a:fld id="{8007EC4D-DC88-F14A-B163-91DAE3612031}" type="datetimeFigureOut">
+              <a:rPr lang="en-CA" smtClean="0"/>
+              <a:t>2025-06-04</a:t>
             </a:fld>
-            <a:endParaRPr lang="en-US"/>
+            <a:endParaRPr lang="en-CA"/>
           </a:p>
         </p:txBody>
       </p:sp>
@@ -463,7 +467,7 @@
           <p:cNvPr id="5" name="Footer Placeholder 4">
             <a:extLst>
               <a:ext uri="{FF2B5EF4-FFF2-40B4-BE49-F238E27FC236}">
-                <a16:creationId xmlns:a16="http://schemas.microsoft.com/office/drawing/2014/main" id="{C5EEFA81-9629-578B-6CA7-F434C6AF22D4}"/>
+                <a16:creationId xmlns:a16="http://schemas.microsoft.com/office/drawing/2014/main" id="{25492972-0BF7-19EB-7EF0-E0C9CCB731EE}"/>
               </a:ext>
             </a:extLst>
           </p:cNvPr>
@@ -479,7 +483,7 @@
           <a:bodyPr/>
           <a:lstStyle/>
           <a:p>
-            <a:endParaRPr lang="en-US"/>
+            <a:endParaRPr lang="en-CA"/>
           </a:p>
         </p:txBody>
       </p:sp>
@@ -488,7 +492,7 @@
           <p:cNvPr id="6" name="Slide Number Placeholder 5">
             <a:extLst>
               <a:ext uri="{FF2B5EF4-FFF2-40B4-BE49-F238E27FC236}">
-                <a16:creationId xmlns:a16="http://schemas.microsoft.com/office/drawing/2014/main" id="{25ED25F3-8AB3-D8B1-59A0-BA5E76FF2D8D}"/>
+                <a16:creationId xmlns:a16="http://schemas.microsoft.com/office/drawing/2014/main" id="{60F74B9F-F687-7D32-13E4-80CEE6EF9CB5}"/>
               </a:ext>
             </a:extLst>
           </p:cNvPr>
@@ -504,18 +508,18 @@
           <a:bodyPr/>
           <a:lstStyle/>
           <a:p>
-            <a:fld id="{6CEEB81B-F6E5-2441-B229-A35F4491FA12}" type="slidenum">
-              <a:rPr lang="en-US" smtClean="0"/>
+            <a:fld id="{38541CA1-ABF4-7648-9875-9F537D7AD8BC}" type="slidenum">
+              <a:rPr lang="en-CA" smtClean="0"/>
               <a:t>‹#›</a:t>
             </a:fld>
-            <a:endParaRPr lang="en-US"/>
+            <a:endParaRPr lang="en-CA"/>
           </a:p>
         </p:txBody>
       </p:sp>
     </p:spTree>
     <p:extLst>
       <p:ext uri="{BB962C8B-B14F-4D97-AF65-F5344CB8AC3E}">
-        <p14:creationId xmlns:p14="http://schemas.microsoft.com/office/powerpoint/2010/main" val="2614306021"/>
+        <p14:creationId xmlns:p14="http://schemas.microsoft.com/office/powerpoint/2010/main" val="502295867"/>
       </p:ext>
     </p:extLst>
   </p:cSld>
@@ -547,7 +551,7 @@
           <p:cNvPr id="2" name="Vertical Title 1">
             <a:extLst>
               <a:ext uri="{FF2B5EF4-FFF2-40B4-BE49-F238E27FC236}">
-                <a16:creationId xmlns:a16="http://schemas.microsoft.com/office/drawing/2014/main" id="{B9C0F0A9-C2FD-09DD-B3B3-A51E984D6F5D}"/>
+                <a16:creationId xmlns:a16="http://schemas.microsoft.com/office/drawing/2014/main" id="{4068EB9B-F935-A582-2667-DE93B40A9CAF}"/>
               </a:ext>
             </a:extLst>
           </p:cNvPr>
@@ -572,6 +576,7 @@
               <a:rPr lang="en-US"/>
               <a:t>Click to edit Master title style</a:t>
             </a:r>
+            <a:endParaRPr lang="en-CA"/>
           </a:p>
         </p:txBody>
       </p:sp>
@@ -580,7 +585,7 @@
           <p:cNvPr id="3" name="Vertical Text Placeholder 2">
             <a:extLst>
               <a:ext uri="{FF2B5EF4-FFF2-40B4-BE49-F238E27FC236}">
-                <a16:creationId xmlns:a16="http://schemas.microsoft.com/office/drawing/2014/main" id="{86255EB3-F29E-BDD8-0309-30697798C77F}"/>
+                <a16:creationId xmlns:a16="http://schemas.microsoft.com/office/drawing/2014/main" id="{BB000DFB-3C3A-47E7-AD6E-0B94210C0F3B}"/>
               </a:ext>
             </a:extLst>
           </p:cNvPr>
@@ -634,6 +639,7 @@
               <a:rPr lang="en-US"/>
               <a:t>Fifth level</a:t>
             </a:r>
+            <a:endParaRPr lang="en-CA"/>
           </a:p>
         </p:txBody>
       </p:sp>
@@ -642,7 +648,7 @@
           <p:cNvPr id="4" name="Date Placeholder 3">
             <a:extLst>
               <a:ext uri="{FF2B5EF4-FFF2-40B4-BE49-F238E27FC236}">
-                <a16:creationId xmlns:a16="http://schemas.microsoft.com/office/drawing/2014/main" id="{23BDC141-DD9B-EE7B-B637-119C8DF46A01}"/>
+                <a16:creationId xmlns:a16="http://schemas.microsoft.com/office/drawing/2014/main" id="{7256D5A7-84C0-20B6-3718-FAEF0B24CDB9}"/>
               </a:ext>
             </a:extLst>
           </p:cNvPr>
@@ -658,11 +664,11 @@
           <a:bodyPr/>
           <a:lstStyle/>
           <a:p>
-            <a:fld id="{2AF84ADB-87B4-9341-902F-CF833E5A47C4}" type="datetimeFigureOut">
-              <a:rPr lang="en-US" smtClean="0"/>
-              <a:t>11/1/24</a:t>
+            <a:fld id="{8007EC4D-DC88-F14A-B163-91DAE3612031}" type="datetimeFigureOut">
+              <a:rPr lang="en-CA" smtClean="0"/>
+              <a:t>2025-06-04</a:t>
             </a:fld>
-            <a:endParaRPr lang="en-US"/>
+            <a:endParaRPr lang="en-CA"/>
           </a:p>
         </p:txBody>
       </p:sp>
@@ -671,7 +677,7 @@
           <p:cNvPr id="5" name="Footer Placeholder 4">
             <a:extLst>
               <a:ext uri="{FF2B5EF4-FFF2-40B4-BE49-F238E27FC236}">
-                <a16:creationId xmlns:a16="http://schemas.microsoft.com/office/drawing/2014/main" id="{6BEA86EE-B4DD-62B8-A23C-905FA5DA2DA6}"/>
+                <a16:creationId xmlns:a16="http://schemas.microsoft.com/office/drawing/2014/main" id="{F5D343FC-16C8-2488-D2D6-002614520466}"/>
               </a:ext>
             </a:extLst>
           </p:cNvPr>
@@ -687,7 +693,7 @@
           <a:bodyPr/>
           <a:lstStyle/>
           <a:p>
-            <a:endParaRPr lang="en-US"/>
+            <a:endParaRPr lang="en-CA"/>
           </a:p>
         </p:txBody>
       </p:sp>
@@ -696,7 +702,7 @@
           <p:cNvPr id="6" name="Slide Number Placeholder 5">
             <a:extLst>
               <a:ext uri="{FF2B5EF4-FFF2-40B4-BE49-F238E27FC236}">
-                <a16:creationId xmlns:a16="http://schemas.microsoft.com/office/drawing/2014/main" id="{3E7BFC79-FFB6-3528-6374-52735CAA5912}"/>
+                <a16:creationId xmlns:a16="http://schemas.microsoft.com/office/drawing/2014/main" id="{6AC69C15-E5BC-72EF-5E15-231778F8E117}"/>
               </a:ext>
             </a:extLst>
           </p:cNvPr>
@@ -712,18 +718,18 @@
           <a:bodyPr/>
           <a:lstStyle/>
           <a:p>
-            <a:fld id="{6CEEB81B-F6E5-2441-B229-A35F4491FA12}" type="slidenum">
-              <a:rPr lang="en-US" smtClean="0"/>
+            <a:fld id="{38541CA1-ABF4-7648-9875-9F537D7AD8BC}" type="slidenum">
+              <a:rPr lang="en-CA" smtClean="0"/>
               <a:t>‹#›</a:t>
             </a:fld>
-            <a:endParaRPr lang="en-US"/>
+            <a:endParaRPr lang="en-CA"/>
           </a:p>
         </p:txBody>
       </p:sp>
     </p:spTree>
     <p:extLst>
       <p:ext uri="{BB962C8B-B14F-4D97-AF65-F5344CB8AC3E}">
-        <p14:creationId xmlns:p14="http://schemas.microsoft.com/office/powerpoint/2010/main" val="1155836969"/>
+        <p14:creationId xmlns:p14="http://schemas.microsoft.com/office/powerpoint/2010/main" val="1788812885"/>
       </p:ext>
     </p:extLst>
   </p:cSld>
@@ -755,7 +761,7 @@
           <p:cNvPr id="2" name="Title 1">
             <a:extLst>
               <a:ext uri="{FF2B5EF4-FFF2-40B4-BE49-F238E27FC236}">
-                <a16:creationId xmlns:a16="http://schemas.microsoft.com/office/drawing/2014/main" id="{38889598-71CE-A414-C3F1-B4A2193D3B98}"/>
+                <a16:creationId xmlns:a16="http://schemas.microsoft.com/office/drawing/2014/main" id="{3FD347D8-DE38-0959-F8B8-32BCE4BC3353}"/>
               </a:ext>
             </a:extLst>
           </p:cNvPr>
@@ -775,6 +781,7 @@
               <a:rPr lang="en-US"/>
               <a:t>Click to edit Master title style</a:t>
             </a:r>
+            <a:endParaRPr lang="en-CA"/>
           </a:p>
         </p:txBody>
       </p:sp>
@@ -783,7 +790,7 @@
           <p:cNvPr id="3" name="Content Placeholder 2">
             <a:extLst>
               <a:ext uri="{FF2B5EF4-FFF2-40B4-BE49-F238E27FC236}">
-                <a16:creationId xmlns:a16="http://schemas.microsoft.com/office/drawing/2014/main" id="{B3FC73C6-CA36-4E8F-D5A9-A946E8A13E32}"/>
+                <a16:creationId xmlns:a16="http://schemas.microsoft.com/office/drawing/2014/main" id="{A366388D-54A8-EB27-DF9A-0758441C506F}"/>
               </a:ext>
             </a:extLst>
           </p:cNvPr>
@@ -832,6 +839,7 @@
               <a:rPr lang="en-US"/>
               <a:t>Fifth level</a:t>
             </a:r>
+            <a:endParaRPr lang="en-CA"/>
           </a:p>
         </p:txBody>
       </p:sp>
@@ -840,7 +848,7 @@
           <p:cNvPr id="4" name="Date Placeholder 3">
             <a:extLst>
               <a:ext uri="{FF2B5EF4-FFF2-40B4-BE49-F238E27FC236}">
-                <a16:creationId xmlns:a16="http://schemas.microsoft.com/office/drawing/2014/main" id="{652A9AE6-F44D-CFE7-E61A-7132025D36BD}"/>
+                <a16:creationId xmlns:a16="http://schemas.microsoft.com/office/drawing/2014/main" id="{03503B7E-EEF2-2583-9690-289A84E1E868}"/>
               </a:ext>
             </a:extLst>
           </p:cNvPr>
@@ -856,11 +864,11 @@
           <a:bodyPr/>
           <a:lstStyle/>
           <a:p>
-            <a:fld id="{2AF84ADB-87B4-9341-902F-CF833E5A47C4}" type="datetimeFigureOut">
-              <a:rPr lang="en-US" smtClean="0"/>
-              <a:t>11/1/24</a:t>
+            <a:fld id="{8007EC4D-DC88-F14A-B163-91DAE3612031}" type="datetimeFigureOut">
+              <a:rPr lang="en-CA" smtClean="0"/>
+              <a:t>2025-06-04</a:t>
             </a:fld>
-            <a:endParaRPr lang="en-US"/>
+            <a:endParaRPr lang="en-CA"/>
           </a:p>
         </p:txBody>
       </p:sp>
@@ -869,7 +877,7 @@
           <p:cNvPr id="5" name="Footer Placeholder 4">
             <a:extLst>
               <a:ext uri="{FF2B5EF4-FFF2-40B4-BE49-F238E27FC236}">
-                <a16:creationId xmlns:a16="http://schemas.microsoft.com/office/drawing/2014/main" id="{E83AEC4A-113E-3207-C661-77EE558934D0}"/>
+                <a16:creationId xmlns:a16="http://schemas.microsoft.com/office/drawing/2014/main" id="{9FEF38B6-8FDA-A546-104A-1F31C8F57E2D}"/>
               </a:ext>
             </a:extLst>
           </p:cNvPr>
@@ -885,7 +893,7 @@
           <a:bodyPr/>
           <a:lstStyle/>
           <a:p>
-            <a:endParaRPr lang="en-US"/>
+            <a:endParaRPr lang="en-CA"/>
           </a:p>
         </p:txBody>
       </p:sp>
@@ -894,7 +902,7 @@
           <p:cNvPr id="6" name="Slide Number Placeholder 5">
             <a:extLst>
               <a:ext uri="{FF2B5EF4-FFF2-40B4-BE49-F238E27FC236}">
-                <a16:creationId xmlns:a16="http://schemas.microsoft.com/office/drawing/2014/main" id="{DF263F37-C7FC-059E-A6DC-0256276D95F5}"/>
+                <a16:creationId xmlns:a16="http://schemas.microsoft.com/office/drawing/2014/main" id="{7C5FC2D0-04AC-9D77-E91F-37825B29DF07}"/>
               </a:ext>
             </a:extLst>
           </p:cNvPr>
@@ -910,18 +918,18 @@
           <a:bodyPr/>
           <a:lstStyle/>
           <a:p>
-            <a:fld id="{6CEEB81B-F6E5-2441-B229-A35F4491FA12}" type="slidenum">
-              <a:rPr lang="en-US" smtClean="0"/>
+            <a:fld id="{38541CA1-ABF4-7648-9875-9F537D7AD8BC}" type="slidenum">
+              <a:rPr lang="en-CA" smtClean="0"/>
               <a:t>‹#›</a:t>
             </a:fld>
-            <a:endParaRPr lang="en-US"/>
+            <a:endParaRPr lang="en-CA"/>
           </a:p>
         </p:txBody>
       </p:sp>
     </p:spTree>
     <p:extLst>
       <p:ext uri="{BB962C8B-B14F-4D97-AF65-F5344CB8AC3E}">
-        <p14:creationId xmlns:p14="http://schemas.microsoft.com/office/powerpoint/2010/main" val="1488679262"/>
+        <p14:creationId xmlns:p14="http://schemas.microsoft.com/office/powerpoint/2010/main" val="4205449290"/>
       </p:ext>
     </p:extLst>
   </p:cSld>
@@ -953,7 +961,7 @@
           <p:cNvPr id="2" name="Title 1">
             <a:extLst>
               <a:ext uri="{FF2B5EF4-FFF2-40B4-BE49-F238E27FC236}">
-                <a16:creationId xmlns:a16="http://schemas.microsoft.com/office/drawing/2014/main" id="{34447261-DEF3-EEB8-6F44-06B5D2D29DE2}"/>
+                <a16:creationId xmlns:a16="http://schemas.microsoft.com/office/drawing/2014/main" id="{E03C697E-928F-4CC3-81E7-D8A237C6FB5B}"/>
               </a:ext>
             </a:extLst>
           </p:cNvPr>
@@ -982,6 +990,7 @@
               <a:rPr lang="en-US"/>
               <a:t>Click to edit Master title style</a:t>
             </a:r>
+            <a:endParaRPr lang="en-CA"/>
           </a:p>
         </p:txBody>
       </p:sp>
@@ -990,7 +999,7 @@
           <p:cNvPr id="3" name="Text Placeholder 2">
             <a:extLst>
               <a:ext uri="{FF2B5EF4-FFF2-40B4-BE49-F238E27FC236}">
-                <a16:creationId xmlns:a16="http://schemas.microsoft.com/office/drawing/2014/main" id="{13CD5280-1BE2-B2EE-05E2-BC0C98E5B87D}"/>
+                <a16:creationId xmlns:a16="http://schemas.microsoft.com/office/drawing/2014/main" id="{F5FDD31B-995B-D8E3-C493-A7872D287581}"/>
               </a:ext>
             </a:extLst>
           </p:cNvPr>
@@ -1115,7 +1124,7 @@
           <p:cNvPr id="4" name="Date Placeholder 3">
             <a:extLst>
               <a:ext uri="{FF2B5EF4-FFF2-40B4-BE49-F238E27FC236}">
-                <a16:creationId xmlns:a16="http://schemas.microsoft.com/office/drawing/2014/main" id="{875F1402-113D-9156-2780-66C7894BDCE1}"/>
+                <a16:creationId xmlns:a16="http://schemas.microsoft.com/office/drawing/2014/main" id="{6FC72C50-78B7-9CE7-4230-D5EA2D192913}"/>
               </a:ext>
             </a:extLst>
           </p:cNvPr>
@@ -1131,11 +1140,11 @@
           <a:bodyPr/>
           <a:lstStyle/>
           <a:p>
-            <a:fld id="{2AF84ADB-87B4-9341-902F-CF833E5A47C4}" type="datetimeFigureOut">
-              <a:rPr lang="en-US" smtClean="0"/>
-              <a:t>11/1/24</a:t>
+            <a:fld id="{8007EC4D-DC88-F14A-B163-91DAE3612031}" type="datetimeFigureOut">
+              <a:rPr lang="en-CA" smtClean="0"/>
+              <a:t>2025-06-04</a:t>
             </a:fld>
-            <a:endParaRPr lang="en-US"/>
+            <a:endParaRPr lang="en-CA"/>
           </a:p>
         </p:txBody>
       </p:sp>
@@ -1144,7 +1153,7 @@
           <p:cNvPr id="5" name="Footer Placeholder 4">
             <a:extLst>
               <a:ext uri="{FF2B5EF4-FFF2-40B4-BE49-F238E27FC236}">
-                <a16:creationId xmlns:a16="http://schemas.microsoft.com/office/drawing/2014/main" id="{370F866C-8BF2-A163-E27D-F73A7685B426}"/>
+                <a16:creationId xmlns:a16="http://schemas.microsoft.com/office/drawing/2014/main" id="{D0869DA5-71F4-091A-BFA5-071B6D966576}"/>
               </a:ext>
             </a:extLst>
           </p:cNvPr>
@@ -1160,7 +1169,7 @@
           <a:bodyPr/>
           <a:lstStyle/>
           <a:p>
-            <a:endParaRPr lang="en-US"/>
+            <a:endParaRPr lang="en-CA"/>
           </a:p>
         </p:txBody>
       </p:sp>
@@ -1169,7 +1178,7 @@
           <p:cNvPr id="6" name="Slide Number Placeholder 5">
             <a:extLst>
               <a:ext uri="{FF2B5EF4-FFF2-40B4-BE49-F238E27FC236}">
-                <a16:creationId xmlns:a16="http://schemas.microsoft.com/office/drawing/2014/main" id="{BFB391A3-C014-9751-FFFA-668D52DA5ACD}"/>
+                <a16:creationId xmlns:a16="http://schemas.microsoft.com/office/drawing/2014/main" id="{545C72A1-5DB7-E0FA-3091-8BD37906E6D9}"/>
               </a:ext>
             </a:extLst>
           </p:cNvPr>
@@ -1185,18 +1194,18 @@
           <a:bodyPr/>
           <a:lstStyle/>
           <a:p>
-            <a:fld id="{6CEEB81B-F6E5-2441-B229-A35F4491FA12}" type="slidenum">
-              <a:rPr lang="en-US" smtClean="0"/>
+            <a:fld id="{38541CA1-ABF4-7648-9875-9F537D7AD8BC}" type="slidenum">
+              <a:rPr lang="en-CA" smtClean="0"/>
               <a:t>‹#›</a:t>
             </a:fld>
-            <a:endParaRPr lang="en-US"/>
+            <a:endParaRPr lang="en-CA"/>
           </a:p>
         </p:txBody>
       </p:sp>
     </p:spTree>
     <p:extLst>
       <p:ext uri="{BB962C8B-B14F-4D97-AF65-F5344CB8AC3E}">
-        <p14:creationId xmlns:p14="http://schemas.microsoft.com/office/powerpoint/2010/main" val="3132342369"/>
+        <p14:creationId xmlns:p14="http://schemas.microsoft.com/office/powerpoint/2010/main" val="2078033806"/>
       </p:ext>
     </p:extLst>
   </p:cSld>
@@ -1228,7 +1237,7 @@
           <p:cNvPr id="2" name="Title 1">
             <a:extLst>
               <a:ext uri="{FF2B5EF4-FFF2-40B4-BE49-F238E27FC236}">
-                <a16:creationId xmlns:a16="http://schemas.microsoft.com/office/drawing/2014/main" id="{CFF2E1AE-E3A6-A2AD-21DD-EF743A17F0BA}"/>
+                <a16:creationId xmlns:a16="http://schemas.microsoft.com/office/drawing/2014/main" id="{C123A94D-9F38-D53D-799F-317145EB22A7}"/>
               </a:ext>
             </a:extLst>
           </p:cNvPr>
@@ -1248,6 +1257,7 @@
               <a:rPr lang="en-US"/>
               <a:t>Click to edit Master title style</a:t>
             </a:r>
+            <a:endParaRPr lang="en-CA"/>
           </a:p>
         </p:txBody>
       </p:sp>
@@ -1256,7 +1266,7 @@
           <p:cNvPr id="3" name="Content Placeholder 2">
             <a:extLst>
               <a:ext uri="{FF2B5EF4-FFF2-40B4-BE49-F238E27FC236}">
-                <a16:creationId xmlns:a16="http://schemas.microsoft.com/office/drawing/2014/main" id="{E984AC90-FB55-9D46-34EB-49020800BD9C}"/>
+                <a16:creationId xmlns:a16="http://schemas.microsoft.com/office/drawing/2014/main" id="{E82D6A19-D0EE-465C-90DE-41F2F7AE1316}"/>
               </a:ext>
             </a:extLst>
           </p:cNvPr>
@@ -1310,6 +1320,7 @@
               <a:rPr lang="en-US"/>
               <a:t>Fifth level</a:t>
             </a:r>
+            <a:endParaRPr lang="en-CA"/>
           </a:p>
         </p:txBody>
       </p:sp>
@@ -1318,7 +1329,7 @@
           <p:cNvPr id="4" name="Content Placeholder 3">
             <a:extLst>
               <a:ext uri="{FF2B5EF4-FFF2-40B4-BE49-F238E27FC236}">
-                <a16:creationId xmlns:a16="http://schemas.microsoft.com/office/drawing/2014/main" id="{70C3F7E4-C285-32CB-0409-B4DBD15243FD}"/>
+                <a16:creationId xmlns:a16="http://schemas.microsoft.com/office/drawing/2014/main" id="{F9A24935-B731-415A-6425-9E3E3E7C7411}"/>
               </a:ext>
             </a:extLst>
           </p:cNvPr>
@@ -1372,6 +1383,7 @@
               <a:rPr lang="en-US"/>
               <a:t>Fifth level</a:t>
             </a:r>
+            <a:endParaRPr lang="en-CA"/>
           </a:p>
         </p:txBody>
       </p:sp>
@@ -1380,7 +1392,7 @@
           <p:cNvPr id="5" name="Date Placeholder 4">
             <a:extLst>
               <a:ext uri="{FF2B5EF4-FFF2-40B4-BE49-F238E27FC236}">
-                <a16:creationId xmlns:a16="http://schemas.microsoft.com/office/drawing/2014/main" id="{DD44AC27-E877-0AA1-AE87-A338E84057F2}"/>
+                <a16:creationId xmlns:a16="http://schemas.microsoft.com/office/drawing/2014/main" id="{61E9CFF9-2591-BE05-DDF3-25CB5193C5E3}"/>
               </a:ext>
             </a:extLst>
           </p:cNvPr>
@@ -1396,11 +1408,11 @@
           <a:bodyPr/>
           <a:lstStyle/>
           <a:p>
-            <a:fld id="{2AF84ADB-87B4-9341-902F-CF833E5A47C4}" type="datetimeFigureOut">
-              <a:rPr lang="en-US" smtClean="0"/>
-              <a:t>11/1/24</a:t>
+            <a:fld id="{8007EC4D-DC88-F14A-B163-91DAE3612031}" type="datetimeFigureOut">
+              <a:rPr lang="en-CA" smtClean="0"/>
+              <a:t>2025-06-04</a:t>
             </a:fld>
-            <a:endParaRPr lang="en-US"/>
+            <a:endParaRPr lang="en-CA"/>
           </a:p>
         </p:txBody>
       </p:sp>
@@ -1409,7 +1421,7 @@
           <p:cNvPr id="6" name="Footer Placeholder 5">
             <a:extLst>
               <a:ext uri="{FF2B5EF4-FFF2-40B4-BE49-F238E27FC236}">
-                <a16:creationId xmlns:a16="http://schemas.microsoft.com/office/drawing/2014/main" id="{55BC870B-7DC5-1BF7-15C6-685FF869BB53}"/>
+                <a16:creationId xmlns:a16="http://schemas.microsoft.com/office/drawing/2014/main" id="{772D5C84-EE36-390E-B783-02125B6567BC}"/>
               </a:ext>
             </a:extLst>
           </p:cNvPr>
@@ -1425,7 +1437,7 @@
           <a:bodyPr/>
           <a:lstStyle/>
           <a:p>
-            <a:endParaRPr lang="en-US"/>
+            <a:endParaRPr lang="en-CA"/>
           </a:p>
         </p:txBody>
       </p:sp>
@@ -1434,7 +1446,7 @@
           <p:cNvPr id="7" name="Slide Number Placeholder 6">
             <a:extLst>
               <a:ext uri="{FF2B5EF4-FFF2-40B4-BE49-F238E27FC236}">
-                <a16:creationId xmlns:a16="http://schemas.microsoft.com/office/drawing/2014/main" id="{AB8B0608-049D-15FB-1869-E087C9C5A5DE}"/>
+                <a16:creationId xmlns:a16="http://schemas.microsoft.com/office/drawing/2014/main" id="{518059D7-ABBE-E785-A781-E7710505ED80}"/>
               </a:ext>
             </a:extLst>
           </p:cNvPr>
@@ -1450,18 +1462,18 @@
           <a:bodyPr/>
           <a:lstStyle/>
           <a:p>
-            <a:fld id="{6CEEB81B-F6E5-2441-B229-A35F4491FA12}" type="slidenum">
-              <a:rPr lang="en-US" smtClean="0"/>
+            <a:fld id="{38541CA1-ABF4-7648-9875-9F537D7AD8BC}" type="slidenum">
+              <a:rPr lang="en-CA" smtClean="0"/>
               <a:t>‹#›</a:t>
             </a:fld>
-            <a:endParaRPr lang="en-US"/>
+            <a:endParaRPr lang="en-CA"/>
           </a:p>
         </p:txBody>
       </p:sp>
     </p:spTree>
     <p:extLst>
       <p:ext uri="{BB962C8B-B14F-4D97-AF65-F5344CB8AC3E}">
-        <p14:creationId xmlns:p14="http://schemas.microsoft.com/office/powerpoint/2010/main" val="941574701"/>
+        <p14:creationId xmlns:p14="http://schemas.microsoft.com/office/powerpoint/2010/main" val="3039295869"/>
       </p:ext>
     </p:extLst>
   </p:cSld>
@@ -1493,7 +1505,7 @@
           <p:cNvPr id="2" name="Title 1">
             <a:extLst>
               <a:ext uri="{FF2B5EF4-FFF2-40B4-BE49-F238E27FC236}">
-                <a16:creationId xmlns:a16="http://schemas.microsoft.com/office/drawing/2014/main" id="{43A91DE1-324A-CBAE-E9C9-4D165BB3C266}"/>
+                <a16:creationId xmlns:a16="http://schemas.microsoft.com/office/drawing/2014/main" id="{EFFD9B09-78D8-7D83-12B7-C1A4CF0809CC}"/>
               </a:ext>
             </a:extLst>
           </p:cNvPr>
@@ -1518,6 +1530,7 @@
               <a:rPr lang="en-US"/>
               <a:t>Click to edit Master title style</a:t>
             </a:r>
+            <a:endParaRPr lang="en-CA"/>
           </a:p>
         </p:txBody>
       </p:sp>
@@ -1526,7 +1539,7 @@
           <p:cNvPr id="3" name="Text Placeholder 2">
             <a:extLst>
               <a:ext uri="{FF2B5EF4-FFF2-40B4-BE49-F238E27FC236}">
-                <a16:creationId xmlns:a16="http://schemas.microsoft.com/office/drawing/2014/main" id="{D1A311C8-6B3C-7873-04FF-63BA7E69EE0C}"/>
+                <a16:creationId xmlns:a16="http://schemas.microsoft.com/office/drawing/2014/main" id="{AD873C52-91C2-E5BB-E418-339D16596123}"/>
               </a:ext>
             </a:extLst>
           </p:cNvPr>
@@ -1597,7 +1610,7 @@
           <p:cNvPr id="4" name="Content Placeholder 3">
             <a:extLst>
               <a:ext uri="{FF2B5EF4-FFF2-40B4-BE49-F238E27FC236}">
-                <a16:creationId xmlns:a16="http://schemas.microsoft.com/office/drawing/2014/main" id="{87598545-4DDA-E79E-1D58-409070773422}"/>
+                <a16:creationId xmlns:a16="http://schemas.microsoft.com/office/drawing/2014/main" id="{E0EEE15C-9838-816F-A6AA-9891F0116B77}"/>
               </a:ext>
             </a:extLst>
           </p:cNvPr>
@@ -1651,6 +1664,7 @@
               <a:rPr lang="en-US"/>
               <a:t>Fifth level</a:t>
             </a:r>
+            <a:endParaRPr lang="en-CA"/>
           </a:p>
         </p:txBody>
       </p:sp>
@@ -1659,7 +1673,7 @@
           <p:cNvPr id="5" name="Text Placeholder 4">
             <a:extLst>
               <a:ext uri="{FF2B5EF4-FFF2-40B4-BE49-F238E27FC236}">
-                <a16:creationId xmlns:a16="http://schemas.microsoft.com/office/drawing/2014/main" id="{FAFE1EDB-E692-F212-1675-F16F075C1321}"/>
+                <a16:creationId xmlns:a16="http://schemas.microsoft.com/office/drawing/2014/main" id="{2F1285C2-6121-731A-8F29-14D958F3DC7B}"/>
               </a:ext>
             </a:extLst>
           </p:cNvPr>
@@ -1730,7 +1744,7 @@
           <p:cNvPr id="6" name="Content Placeholder 5">
             <a:extLst>
               <a:ext uri="{FF2B5EF4-FFF2-40B4-BE49-F238E27FC236}">
-                <a16:creationId xmlns:a16="http://schemas.microsoft.com/office/drawing/2014/main" id="{B40FE741-E11D-F67E-FB81-8100665DB129}"/>
+                <a16:creationId xmlns:a16="http://schemas.microsoft.com/office/drawing/2014/main" id="{9E017DF3-77F0-2A82-97DC-73D8466E45AD}"/>
               </a:ext>
             </a:extLst>
           </p:cNvPr>
@@ -1784,6 +1798,7 @@
               <a:rPr lang="en-US"/>
               <a:t>Fifth level</a:t>
             </a:r>
+            <a:endParaRPr lang="en-CA"/>
           </a:p>
         </p:txBody>
       </p:sp>
@@ -1792,7 +1807,7 @@
           <p:cNvPr id="7" name="Date Placeholder 6">
             <a:extLst>
               <a:ext uri="{FF2B5EF4-FFF2-40B4-BE49-F238E27FC236}">
-                <a16:creationId xmlns:a16="http://schemas.microsoft.com/office/drawing/2014/main" id="{176F9C69-D2CC-B27E-D61E-DF91FC693181}"/>
+                <a16:creationId xmlns:a16="http://schemas.microsoft.com/office/drawing/2014/main" id="{B08F252B-DD4C-DC46-A2AE-07A63CAD7759}"/>
               </a:ext>
             </a:extLst>
           </p:cNvPr>
@@ -1808,11 +1823,11 @@
           <a:bodyPr/>
           <a:lstStyle/>
           <a:p>
-            <a:fld id="{2AF84ADB-87B4-9341-902F-CF833E5A47C4}" type="datetimeFigureOut">
-              <a:rPr lang="en-US" smtClean="0"/>
-              <a:t>11/1/24</a:t>
+            <a:fld id="{8007EC4D-DC88-F14A-B163-91DAE3612031}" type="datetimeFigureOut">
+              <a:rPr lang="en-CA" smtClean="0"/>
+              <a:t>2025-06-04</a:t>
             </a:fld>
-            <a:endParaRPr lang="en-US"/>
+            <a:endParaRPr lang="en-CA"/>
           </a:p>
         </p:txBody>
       </p:sp>
@@ -1821,7 +1836,7 @@
           <p:cNvPr id="8" name="Footer Placeholder 7">
             <a:extLst>
               <a:ext uri="{FF2B5EF4-FFF2-40B4-BE49-F238E27FC236}">
-                <a16:creationId xmlns:a16="http://schemas.microsoft.com/office/drawing/2014/main" id="{272CBB3A-FCE2-3250-D4C5-EDB4CDA8CD22}"/>
+                <a16:creationId xmlns:a16="http://schemas.microsoft.com/office/drawing/2014/main" id="{745ADBE9-B3E2-32AD-0C3A-075B763810E6}"/>
               </a:ext>
             </a:extLst>
           </p:cNvPr>
@@ -1837,7 +1852,7 @@
           <a:bodyPr/>
           <a:lstStyle/>
           <a:p>
-            <a:endParaRPr lang="en-US"/>
+            <a:endParaRPr lang="en-CA"/>
           </a:p>
         </p:txBody>
       </p:sp>
@@ -1846,7 +1861,7 @@
           <p:cNvPr id="9" name="Slide Number Placeholder 8">
             <a:extLst>
               <a:ext uri="{FF2B5EF4-FFF2-40B4-BE49-F238E27FC236}">
-                <a16:creationId xmlns:a16="http://schemas.microsoft.com/office/drawing/2014/main" id="{D0A83673-52EE-7A1F-DD41-4BE70A2A87B2}"/>
+                <a16:creationId xmlns:a16="http://schemas.microsoft.com/office/drawing/2014/main" id="{7FF9553A-3CFA-C87D-9127-4197785CC984}"/>
               </a:ext>
             </a:extLst>
           </p:cNvPr>
@@ -1862,18 +1877,18 @@
           <a:bodyPr/>
           <a:lstStyle/>
           <a:p>
-            <a:fld id="{6CEEB81B-F6E5-2441-B229-A35F4491FA12}" type="slidenum">
-              <a:rPr lang="en-US" smtClean="0"/>
+            <a:fld id="{38541CA1-ABF4-7648-9875-9F537D7AD8BC}" type="slidenum">
+              <a:rPr lang="en-CA" smtClean="0"/>
               <a:t>‹#›</a:t>
             </a:fld>
-            <a:endParaRPr lang="en-US"/>
+            <a:endParaRPr lang="en-CA"/>
           </a:p>
         </p:txBody>
       </p:sp>
     </p:spTree>
     <p:extLst>
       <p:ext uri="{BB962C8B-B14F-4D97-AF65-F5344CB8AC3E}">
-        <p14:creationId xmlns:p14="http://schemas.microsoft.com/office/powerpoint/2010/main" val="2988354682"/>
+        <p14:creationId xmlns:p14="http://schemas.microsoft.com/office/powerpoint/2010/main" val="1668943754"/>
       </p:ext>
     </p:extLst>
   </p:cSld>
@@ -1905,7 +1920,7 @@
           <p:cNvPr id="2" name="Title 1">
             <a:extLst>
               <a:ext uri="{FF2B5EF4-FFF2-40B4-BE49-F238E27FC236}">
-                <a16:creationId xmlns:a16="http://schemas.microsoft.com/office/drawing/2014/main" id="{C08E221A-FF49-AB3D-75D9-AB9625D8DBDF}"/>
+                <a16:creationId xmlns:a16="http://schemas.microsoft.com/office/drawing/2014/main" id="{52D59A3E-3A78-BC55-ADFD-11B5120665FA}"/>
               </a:ext>
             </a:extLst>
           </p:cNvPr>
@@ -1925,6 +1940,7 @@
               <a:rPr lang="en-US"/>
               <a:t>Click to edit Master title style</a:t>
             </a:r>
+            <a:endParaRPr lang="en-CA"/>
           </a:p>
         </p:txBody>
       </p:sp>
@@ -1933,7 +1949,7 @@
           <p:cNvPr id="3" name="Date Placeholder 2">
             <a:extLst>
               <a:ext uri="{FF2B5EF4-FFF2-40B4-BE49-F238E27FC236}">
-                <a16:creationId xmlns:a16="http://schemas.microsoft.com/office/drawing/2014/main" id="{0AE4014E-01F6-5E5C-7DB0-A8B201203A9A}"/>
+                <a16:creationId xmlns:a16="http://schemas.microsoft.com/office/drawing/2014/main" id="{AE8EFC0C-355C-4F3C-84AC-4712D43CA16A}"/>
               </a:ext>
             </a:extLst>
           </p:cNvPr>
@@ -1949,11 +1965,11 @@
           <a:bodyPr/>
           <a:lstStyle/>
           <a:p>
-            <a:fld id="{2AF84ADB-87B4-9341-902F-CF833E5A47C4}" type="datetimeFigureOut">
-              <a:rPr lang="en-US" smtClean="0"/>
-              <a:t>11/1/24</a:t>
+            <a:fld id="{8007EC4D-DC88-F14A-B163-91DAE3612031}" type="datetimeFigureOut">
+              <a:rPr lang="en-CA" smtClean="0"/>
+              <a:t>2025-06-04</a:t>
             </a:fld>
-            <a:endParaRPr lang="en-US"/>
+            <a:endParaRPr lang="en-CA"/>
           </a:p>
         </p:txBody>
       </p:sp>
@@ -1962,7 +1978,7 @@
           <p:cNvPr id="4" name="Footer Placeholder 3">
             <a:extLst>
               <a:ext uri="{FF2B5EF4-FFF2-40B4-BE49-F238E27FC236}">
-                <a16:creationId xmlns:a16="http://schemas.microsoft.com/office/drawing/2014/main" id="{5DBFEA4B-6FE9-4E0C-2BC1-FA8C0B6C64A2}"/>
+                <a16:creationId xmlns:a16="http://schemas.microsoft.com/office/drawing/2014/main" id="{752D0293-FAE0-4233-E6AD-14F8E2D30481}"/>
               </a:ext>
             </a:extLst>
           </p:cNvPr>
@@ -1978,7 +1994,7 @@
           <a:bodyPr/>
           <a:lstStyle/>
           <a:p>
-            <a:endParaRPr lang="en-US"/>
+            <a:endParaRPr lang="en-CA"/>
           </a:p>
         </p:txBody>
       </p:sp>
@@ -1987,7 +2003,7 @@
           <p:cNvPr id="5" name="Slide Number Placeholder 4">
             <a:extLst>
               <a:ext uri="{FF2B5EF4-FFF2-40B4-BE49-F238E27FC236}">
-                <a16:creationId xmlns:a16="http://schemas.microsoft.com/office/drawing/2014/main" id="{DAEEB324-8E85-4835-9D25-B8C84DF8C8AC}"/>
+                <a16:creationId xmlns:a16="http://schemas.microsoft.com/office/drawing/2014/main" id="{3656CA4A-BA3B-BA4B-2FB5-3C4552F858B7}"/>
               </a:ext>
             </a:extLst>
           </p:cNvPr>
@@ -2003,18 +2019,18 @@
           <a:bodyPr/>
           <a:lstStyle/>
           <a:p>
-            <a:fld id="{6CEEB81B-F6E5-2441-B229-A35F4491FA12}" type="slidenum">
-              <a:rPr lang="en-US" smtClean="0"/>
+            <a:fld id="{38541CA1-ABF4-7648-9875-9F537D7AD8BC}" type="slidenum">
+              <a:rPr lang="en-CA" smtClean="0"/>
               <a:t>‹#›</a:t>
             </a:fld>
-            <a:endParaRPr lang="en-US"/>
+            <a:endParaRPr lang="en-CA"/>
           </a:p>
         </p:txBody>
       </p:sp>
     </p:spTree>
     <p:extLst>
       <p:ext uri="{BB962C8B-B14F-4D97-AF65-F5344CB8AC3E}">
-        <p14:creationId xmlns:p14="http://schemas.microsoft.com/office/powerpoint/2010/main" val="3302204363"/>
+        <p14:creationId xmlns:p14="http://schemas.microsoft.com/office/powerpoint/2010/main" val="4200443541"/>
       </p:ext>
     </p:extLst>
   </p:cSld>
@@ -2046,7 +2062,7 @@
           <p:cNvPr id="2" name="Date Placeholder 1">
             <a:extLst>
               <a:ext uri="{FF2B5EF4-FFF2-40B4-BE49-F238E27FC236}">
-                <a16:creationId xmlns:a16="http://schemas.microsoft.com/office/drawing/2014/main" id="{4A72745B-D075-2DB2-FA78-35AC4A624A43}"/>
+                <a16:creationId xmlns:a16="http://schemas.microsoft.com/office/drawing/2014/main" id="{814CA020-8BD5-EB40-6A6A-79463B7026F2}"/>
               </a:ext>
             </a:extLst>
           </p:cNvPr>
@@ -2062,11 +2078,11 @@
           <a:bodyPr/>
           <a:lstStyle/>
           <a:p>
-            <a:fld id="{2AF84ADB-87B4-9341-902F-CF833E5A47C4}" type="datetimeFigureOut">
-              <a:rPr lang="en-US" smtClean="0"/>
-              <a:t>11/1/24</a:t>
+            <a:fld id="{8007EC4D-DC88-F14A-B163-91DAE3612031}" type="datetimeFigureOut">
+              <a:rPr lang="en-CA" smtClean="0"/>
+              <a:t>2025-06-04</a:t>
             </a:fld>
-            <a:endParaRPr lang="en-US"/>
+            <a:endParaRPr lang="en-CA"/>
           </a:p>
         </p:txBody>
       </p:sp>
@@ -2075,7 +2091,7 @@
           <p:cNvPr id="3" name="Footer Placeholder 2">
             <a:extLst>
               <a:ext uri="{FF2B5EF4-FFF2-40B4-BE49-F238E27FC236}">
-                <a16:creationId xmlns:a16="http://schemas.microsoft.com/office/drawing/2014/main" id="{C8BFB88D-523F-4A57-59BB-A5C8670ECD4C}"/>
+                <a16:creationId xmlns:a16="http://schemas.microsoft.com/office/drawing/2014/main" id="{57104D1C-818F-BF7D-687A-C93EB77884E3}"/>
               </a:ext>
             </a:extLst>
           </p:cNvPr>
@@ -2091,7 +2107,7 @@
           <a:bodyPr/>
           <a:lstStyle/>
           <a:p>
-            <a:endParaRPr lang="en-US"/>
+            <a:endParaRPr lang="en-CA"/>
           </a:p>
         </p:txBody>
       </p:sp>
@@ -2100,7 +2116,7 @@
           <p:cNvPr id="4" name="Slide Number Placeholder 3">
             <a:extLst>
               <a:ext uri="{FF2B5EF4-FFF2-40B4-BE49-F238E27FC236}">
-                <a16:creationId xmlns:a16="http://schemas.microsoft.com/office/drawing/2014/main" id="{B3DE461B-B027-865B-FD9A-77E9FC86BD98}"/>
+                <a16:creationId xmlns:a16="http://schemas.microsoft.com/office/drawing/2014/main" id="{C81A7A21-B053-E3A0-C6DC-E17723D26FF0}"/>
               </a:ext>
             </a:extLst>
           </p:cNvPr>
@@ -2116,18 +2132,18 @@
           <a:bodyPr/>
           <a:lstStyle/>
           <a:p>
-            <a:fld id="{6CEEB81B-F6E5-2441-B229-A35F4491FA12}" type="slidenum">
-              <a:rPr lang="en-US" smtClean="0"/>
+            <a:fld id="{38541CA1-ABF4-7648-9875-9F537D7AD8BC}" type="slidenum">
+              <a:rPr lang="en-CA" smtClean="0"/>
               <a:t>‹#›</a:t>
             </a:fld>
-            <a:endParaRPr lang="en-US"/>
+            <a:endParaRPr lang="en-CA"/>
           </a:p>
         </p:txBody>
       </p:sp>
     </p:spTree>
     <p:extLst>
       <p:ext uri="{BB962C8B-B14F-4D97-AF65-F5344CB8AC3E}">
-        <p14:creationId xmlns:p14="http://schemas.microsoft.com/office/powerpoint/2010/main" val="1477603715"/>
+        <p14:creationId xmlns:p14="http://schemas.microsoft.com/office/powerpoint/2010/main" val="469904365"/>
       </p:ext>
     </p:extLst>
   </p:cSld>
@@ -2159,7 +2175,7 @@
           <p:cNvPr id="2" name="Title 1">
             <a:extLst>
               <a:ext uri="{FF2B5EF4-FFF2-40B4-BE49-F238E27FC236}">
-                <a16:creationId xmlns:a16="http://schemas.microsoft.com/office/drawing/2014/main" id="{62466478-F0EC-42F5-15B2-6C920EB85761}"/>
+                <a16:creationId xmlns:a16="http://schemas.microsoft.com/office/drawing/2014/main" id="{12DF456D-F82E-F8B7-1B53-8D3FAB26CBD4}"/>
               </a:ext>
             </a:extLst>
           </p:cNvPr>
@@ -2188,6 +2204,7 @@
               <a:rPr lang="en-US"/>
               <a:t>Click to edit Master title style</a:t>
             </a:r>
+            <a:endParaRPr lang="en-CA"/>
           </a:p>
         </p:txBody>
       </p:sp>
@@ -2196,7 +2213,7 @@
           <p:cNvPr id="3" name="Content Placeholder 2">
             <a:extLst>
               <a:ext uri="{FF2B5EF4-FFF2-40B4-BE49-F238E27FC236}">
-                <a16:creationId xmlns:a16="http://schemas.microsoft.com/office/drawing/2014/main" id="{1C91A9B4-E42A-F893-6B3C-C62F60832B58}"/>
+                <a16:creationId xmlns:a16="http://schemas.microsoft.com/office/drawing/2014/main" id="{236D4746-9573-E546-4FF8-C2DDFD893356}"/>
               </a:ext>
             </a:extLst>
           </p:cNvPr>
@@ -2278,6 +2295,7 @@
               <a:rPr lang="en-US"/>
               <a:t>Fifth level</a:t>
             </a:r>
+            <a:endParaRPr lang="en-CA"/>
           </a:p>
         </p:txBody>
       </p:sp>
@@ -2286,7 +2304,7 @@
           <p:cNvPr id="4" name="Text Placeholder 3">
             <a:extLst>
               <a:ext uri="{FF2B5EF4-FFF2-40B4-BE49-F238E27FC236}">
-                <a16:creationId xmlns:a16="http://schemas.microsoft.com/office/drawing/2014/main" id="{E1227609-359A-1432-2B00-2CCE77EF2BC7}"/>
+                <a16:creationId xmlns:a16="http://schemas.microsoft.com/office/drawing/2014/main" id="{4426EE12-800A-BB8E-216D-547B1FB13AA3}"/>
               </a:ext>
             </a:extLst>
           </p:cNvPr>
@@ -2357,7 +2375,7 @@
           <p:cNvPr id="5" name="Date Placeholder 4">
             <a:extLst>
               <a:ext uri="{FF2B5EF4-FFF2-40B4-BE49-F238E27FC236}">
-                <a16:creationId xmlns:a16="http://schemas.microsoft.com/office/drawing/2014/main" id="{4951A397-538D-1197-B8B4-BA37A2135F96}"/>
+                <a16:creationId xmlns:a16="http://schemas.microsoft.com/office/drawing/2014/main" id="{4262AFE3-17F8-B6E0-85B1-7A1E0CD51915}"/>
               </a:ext>
             </a:extLst>
           </p:cNvPr>
@@ -2373,11 +2391,11 @@
           <a:bodyPr/>
           <a:lstStyle/>
           <a:p>
-            <a:fld id="{2AF84ADB-87B4-9341-902F-CF833E5A47C4}" type="datetimeFigureOut">
-              <a:rPr lang="en-US" smtClean="0"/>
-              <a:t>11/1/24</a:t>
+            <a:fld id="{8007EC4D-DC88-F14A-B163-91DAE3612031}" type="datetimeFigureOut">
+              <a:rPr lang="en-CA" smtClean="0"/>
+              <a:t>2025-06-04</a:t>
             </a:fld>
-            <a:endParaRPr lang="en-US"/>
+            <a:endParaRPr lang="en-CA"/>
           </a:p>
         </p:txBody>
       </p:sp>
@@ -2386,7 +2404,7 @@
           <p:cNvPr id="6" name="Footer Placeholder 5">
             <a:extLst>
               <a:ext uri="{FF2B5EF4-FFF2-40B4-BE49-F238E27FC236}">
-                <a16:creationId xmlns:a16="http://schemas.microsoft.com/office/drawing/2014/main" id="{C0D2601B-1FD6-910D-1994-68303073F159}"/>
+                <a16:creationId xmlns:a16="http://schemas.microsoft.com/office/drawing/2014/main" id="{41F141A6-6E50-8A9A-1CAC-469B792EE03D}"/>
               </a:ext>
             </a:extLst>
           </p:cNvPr>
@@ -2402,7 +2420,7 @@
           <a:bodyPr/>
           <a:lstStyle/>
           <a:p>
-            <a:endParaRPr lang="en-US"/>
+            <a:endParaRPr lang="en-CA"/>
           </a:p>
         </p:txBody>
       </p:sp>
@@ -2411,7 +2429,7 @@
           <p:cNvPr id="7" name="Slide Number Placeholder 6">
             <a:extLst>
               <a:ext uri="{FF2B5EF4-FFF2-40B4-BE49-F238E27FC236}">
-                <a16:creationId xmlns:a16="http://schemas.microsoft.com/office/drawing/2014/main" id="{0CC18AB2-141D-A918-3444-92D52B5EC657}"/>
+                <a16:creationId xmlns:a16="http://schemas.microsoft.com/office/drawing/2014/main" id="{EF991F7C-4322-EBE5-9245-3F6B31CC97CF}"/>
               </a:ext>
             </a:extLst>
           </p:cNvPr>
@@ -2427,18 +2445,18 @@
           <a:bodyPr/>
           <a:lstStyle/>
           <a:p>
-            <a:fld id="{6CEEB81B-F6E5-2441-B229-A35F4491FA12}" type="slidenum">
-              <a:rPr lang="en-US" smtClean="0"/>
+            <a:fld id="{38541CA1-ABF4-7648-9875-9F537D7AD8BC}" type="slidenum">
+              <a:rPr lang="en-CA" smtClean="0"/>
               <a:t>‹#›</a:t>
             </a:fld>
-            <a:endParaRPr lang="en-US"/>
+            <a:endParaRPr lang="en-CA"/>
           </a:p>
         </p:txBody>
       </p:sp>
     </p:spTree>
     <p:extLst>
       <p:ext uri="{BB962C8B-B14F-4D97-AF65-F5344CB8AC3E}">
-        <p14:creationId xmlns:p14="http://schemas.microsoft.com/office/powerpoint/2010/main" val="739749984"/>
+        <p14:creationId xmlns:p14="http://schemas.microsoft.com/office/powerpoint/2010/main" val="1797795011"/>
       </p:ext>
     </p:extLst>
   </p:cSld>
@@ -2470,7 +2488,7 @@
           <p:cNvPr id="2" name="Title 1">
             <a:extLst>
               <a:ext uri="{FF2B5EF4-FFF2-40B4-BE49-F238E27FC236}">
-                <a16:creationId xmlns:a16="http://schemas.microsoft.com/office/drawing/2014/main" id="{3B726E79-313F-D57C-C965-62CD5F61807F}"/>
+                <a16:creationId xmlns:a16="http://schemas.microsoft.com/office/drawing/2014/main" id="{A91751D6-1CE8-2BF7-B0C5-6C339CFD72A1}"/>
               </a:ext>
             </a:extLst>
           </p:cNvPr>
@@ -2499,6 +2517,7 @@
               <a:rPr lang="en-US"/>
               <a:t>Click to edit Master title style</a:t>
             </a:r>
+            <a:endParaRPr lang="en-CA"/>
           </a:p>
         </p:txBody>
       </p:sp>
@@ -2507,7 +2526,7 @@
           <p:cNvPr id="3" name="Picture Placeholder 2">
             <a:extLst>
               <a:ext uri="{FF2B5EF4-FFF2-40B4-BE49-F238E27FC236}">
-                <a16:creationId xmlns:a16="http://schemas.microsoft.com/office/drawing/2014/main" id="{3CA6CC85-4FC1-CD7B-4153-85B609A72077}"/>
+                <a16:creationId xmlns:a16="http://schemas.microsoft.com/office/drawing/2014/main" id="{3AA749CD-932A-054B-4E7F-CF3B140AA9A9}"/>
               </a:ext>
             </a:extLst>
           </p:cNvPr>
@@ -2565,7 +2584,7 @@
             </a:lvl9pPr>
           </a:lstStyle>
           <a:p>
-            <a:endParaRPr lang="en-US"/>
+            <a:endParaRPr lang="en-CA"/>
           </a:p>
         </p:txBody>
       </p:sp>
@@ -2574,7 +2593,7 @@
           <p:cNvPr id="4" name="Text Placeholder 3">
             <a:extLst>
               <a:ext uri="{FF2B5EF4-FFF2-40B4-BE49-F238E27FC236}">
-                <a16:creationId xmlns:a16="http://schemas.microsoft.com/office/drawing/2014/main" id="{C95A63A1-5F71-9730-81D0-05D5748C7BB6}"/>
+                <a16:creationId xmlns:a16="http://schemas.microsoft.com/office/drawing/2014/main" id="{88BB678A-91FD-6F71-103A-E8132C6FDDCF}"/>
               </a:ext>
             </a:extLst>
           </p:cNvPr>
@@ -2645,7 +2664,7 @@
           <p:cNvPr id="5" name="Date Placeholder 4">
             <a:extLst>
               <a:ext uri="{FF2B5EF4-FFF2-40B4-BE49-F238E27FC236}">
-                <a16:creationId xmlns:a16="http://schemas.microsoft.com/office/drawing/2014/main" id="{337A7378-085C-D580-8593-38108CF17994}"/>
+                <a16:creationId xmlns:a16="http://schemas.microsoft.com/office/drawing/2014/main" id="{0C8BD23F-0834-D910-0E90-E26CB7366694}"/>
               </a:ext>
             </a:extLst>
           </p:cNvPr>
@@ -2661,11 +2680,11 @@
           <a:bodyPr/>
           <a:lstStyle/>
           <a:p>
-            <a:fld id="{2AF84ADB-87B4-9341-902F-CF833E5A47C4}" type="datetimeFigureOut">
-              <a:rPr lang="en-US" smtClean="0"/>
-              <a:t>11/1/24</a:t>
+            <a:fld id="{8007EC4D-DC88-F14A-B163-91DAE3612031}" type="datetimeFigureOut">
+              <a:rPr lang="en-CA" smtClean="0"/>
+              <a:t>2025-06-04</a:t>
             </a:fld>
-            <a:endParaRPr lang="en-US"/>
+            <a:endParaRPr lang="en-CA"/>
           </a:p>
         </p:txBody>
       </p:sp>
@@ -2674,7 +2693,7 @@
           <p:cNvPr id="6" name="Footer Placeholder 5">
             <a:extLst>
               <a:ext uri="{FF2B5EF4-FFF2-40B4-BE49-F238E27FC236}">
-                <a16:creationId xmlns:a16="http://schemas.microsoft.com/office/drawing/2014/main" id="{EBF97440-0B5D-98C3-5D7C-15906374092F}"/>
+                <a16:creationId xmlns:a16="http://schemas.microsoft.com/office/drawing/2014/main" id="{70CD02B3-4F9B-8585-21CC-2511C2314BFB}"/>
               </a:ext>
             </a:extLst>
           </p:cNvPr>
@@ -2690,7 +2709,7 @@
           <a:bodyPr/>
           <a:lstStyle/>
           <a:p>
-            <a:endParaRPr lang="en-US"/>
+            <a:endParaRPr lang="en-CA"/>
           </a:p>
         </p:txBody>
       </p:sp>
@@ -2699,7 +2718,7 @@
           <p:cNvPr id="7" name="Slide Number Placeholder 6">
             <a:extLst>
               <a:ext uri="{FF2B5EF4-FFF2-40B4-BE49-F238E27FC236}">
-                <a16:creationId xmlns:a16="http://schemas.microsoft.com/office/drawing/2014/main" id="{3A0C32E7-74CD-E52D-DD1B-163B001CD188}"/>
+                <a16:creationId xmlns:a16="http://schemas.microsoft.com/office/drawing/2014/main" id="{83E78854-9E16-690D-9F4A-A75D40CC585F}"/>
               </a:ext>
             </a:extLst>
           </p:cNvPr>
@@ -2715,18 +2734,18 @@
           <a:bodyPr/>
           <a:lstStyle/>
           <a:p>
-            <a:fld id="{6CEEB81B-F6E5-2441-B229-A35F4491FA12}" type="slidenum">
-              <a:rPr lang="en-US" smtClean="0"/>
+            <a:fld id="{38541CA1-ABF4-7648-9875-9F537D7AD8BC}" type="slidenum">
+              <a:rPr lang="en-CA" smtClean="0"/>
               <a:t>‹#›</a:t>
             </a:fld>
-            <a:endParaRPr lang="en-US"/>
+            <a:endParaRPr lang="en-CA"/>
           </a:p>
         </p:txBody>
       </p:sp>
     </p:spTree>
     <p:extLst>
       <p:ext uri="{BB962C8B-B14F-4D97-AF65-F5344CB8AC3E}">
-        <p14:creationId xmlns:p14="http://schemas.microsoft.com/office/powerpoint/2010/main" val="1096052942"/>
+        <p14:creationId xmlns:p14="http://schemas.microsoft.com/office/powerpoint/2010/main" val="3759085681"/>
       </p:ext>
     </p:extLst>
   </p:cSld>
@@ -2763,7 +2782,7 @@
           <p:cNvPr id="2" name="Title Placeholder 1">
             <a:extLst>
               <a:ext uri="{FF2B5EF4-FFF2-40B4-BE49-F238E27FC236}">
-                <a16:creationId xmlns:a16="http://schemas.microsoft.com/office/drawing/2014/main" id="{72CF2409-D06F-F97F-967F-B1381DABE034}"/>
+                <a16:creationId xmlns:a16="http://schemas.microsoft.com/office/drawing/2014/main" id="{91B09014-027C-B779-31D2-354B045BC7F2}"/>
               </a:ext>
             </a:extLst>
           </p:cNvPr>
@@ -2793,6 +2812,7 @@
               <a:rPr lang="en-US"/>
               <a:t>Click to edit Master title style</a:t>
             </a:r>
+            <a:endParaRPr lang="en-CA"/>
           </a:p>
         </p:txBody>
       </p:sp>
@@ -2801,7 +2821,7 @@
           <p:cNvPr id="3" name="Text Placeholder 2">
             <a:extLst>
               <a:ext uri="{FF2B5EF4-FFF2-40B4-BE49-F238E27FC236}">
-                <a16:creationId xmlns:a16="http://schemas.microsoft.com/office/drawing/2014/main" id="{71E93959-E749-4F09-8D38-8E4FC83E0C33}"/>
+                <a16:creationId xmlns:a16="http://schemas.microsoft.com/office/drawing/2014/main" id="{2B8F8485-F807-73F4-18DD-6FE20B1BD980}"/>
               </a:ext>
             </a:extLst>
           </p:cNvPr>
@@ -2860,6 +2880,7 @@
               <a:rPr lang="en-US"/>
               <a:t>Fifth level</a:t>
             </a:r>
+            <a:endParaRPr lang="en-CA"/>
           </a:p>
         </p:txBody>
       </p:sp>
@@ -2868,7 +2889,7 @@
           <p:cNvPr id="4" name="Date Placeholder 3">
             <a:extLst>
               <a:ext uri="{FF2B5EF4-FFF2-40B4-BE49-F238E27FC236}">
-                <a16:creationId xmlns:a16="http://schemas.microsoft.com/office/drawing/2014/main" id="{4EBFA51D-FEAD-C1E5-41A3-746738838046}"/>
+                <a16:creationId xmlns:a16="http://schemas.microsoft.com/office/drawing/2014/main" id="{77E69096-8B98-4177-B76D-012BC6922F68}"/>
               </a:ext>
             </a:extLst>
           </p:cNvPr>
@@ -2902,11 +2923,11 @@
             </a:lvl1pPr>
           </a:lstStyle>
           <a:p>
-            <a:fld id="{2AF84ADB-87B4-9341-902F-CF833E5A47C4}" type="datetimeFigureOut">
-              <a:rPr lang="en-US" smtClean="0"/>
-              <a:t>11/1/24</a:t>
+            <a:fld id="{8007EC4D-DC88-F14A-B163-91DAE3612031}" type="datetimeFigureOut">
+              <a:rPr lang="en-CA" smtClean="0"/>
+              <a:t>2025-06-04</a:t>
             </a:fld>
-            <a:endParaRPr lang="en-US"/>
+            <a:endParaRPr lang="en-CA"/>
           </a:p>
         </p:txBody>
       </p:sp>
@@ -2915,7 +2936,7 @@
           <p:cNvPr id="5" name="Footer Placeholder 4">
             <a:extLst>
               <a:ext uri="{FF2B5EF4-FFF2-40B4-BE49-F238E27FC236}">
-                <a16:creationId xmlns:a16="http://schemas.microsoft.com/office/drawing/2014/main" id="{DA996491-85B5-E935-8E66-1D8FC560E4AA}"/>
+                <a16:creationId xmlns:a16="http://schemas.microsoft.com/office/drawing/2014/main" id="{18C2BC3F-3D02-EDDC-BD5B-47A1A1853352}"/>
               </a:ext>
             </a:extLst>
           </p:cNvPr>
@@ -2949,7 +2970,7 @@
             </a:lvl1pPr>
           </a:lstStyle>
           <a:p>
-            <a:endParaRPr lang="en-US"/>
+            <a:endParaRPr lang="en-CA"/>
           </a:p>
         </p:txBody>
       </p:sp>
@@ -2958,7 +2979,7 @@
           <p:cNvPr id="6" name="Slide Number Placeholder 5">
             <a:extLst>
               <a:ext uri="{FF2B5EF4-FFF2-40B4-BE49-F238E27FC236}">
-                <a16:creationId xmlns:a16="http://schemas.microsoft.com/office/drawing/2014/main" id="{CB94E4B3-AB6A-4146-1EF7-55C42E13D62F}"/>
+                <a16:creationId xmlns:a16="http://schemas.microsoft.com/office/drawing/2014/main" id="{49AB9AD6-C9E2-DF01-DFE7-3201CC61D874}"/>
               </a:ext>
             </a:extLst>
           </p:cNvPr>
@@ -2992,18 +3013,18 @@
             </a:lvl1pPr>
           </a:lstStyle>
           <a:p>
-            <a:fld id="{6CEEB81B-F6E5-2441-B229-A35F4491FA12}" type="slidenum">
-              <a:rPr lang="en-US" smtClean="0"/>
+            <a:fld id="{38541CA1-ABF4-7648-9875-9F537D7AD8BC}" type="slidenum">
+              <a:rPr lang="en-CA" smtClean="0"/>
               <a:t>‹#›</a:t>
             </a:fld>
-            <a:endParaRPr lang="en-US"/>
+            <a:endParaRPr lang="en-CA"/>
           </a:p>
         </p:txBody>
       </p:sp>
     </p:spTree>
     <p:extLst>
       <p:ext uri="{BB962C8B-B14F-4D97-AF65-F5344CB8AC3E}">
-        <p14:creationId xmlns:p14="http://schemas.microsoft.com/office/powerpoint/2010/main" val="2066003445"/>
+        <p14:creationId xmlns:p14="http://schemas.microsoft.com/office/powerpoint/2010/main" val="3210535952"/>
       </p:ext>
     </p:extLst>
   </p:cSld>
@@ -3323,10 +3344,10 @@
       </p:grpSpPr>
       <p:pic>
         <p:nvPicPr>
-          <p:cNvPr id="5" name="Graphic 4" descr="Cat with solid fill">
-            <a:extLst>
-              <a:ext uri="{FF2B5EF4-FFF2-40B4-BE49-F238E27FC236}">
-                <a16:creationId xmlns:a16="http://schemas.microsoft.com/office/drawing/2014/main" id="{1CB35125-E900-AB9B-A6BC-656AF0396B38}"/>
+          <p:cNvPr id="9" name="Graphic 8" descr="Smart Phone with solid fill">
+            <a:extLst>
+              <a:ext uri="{FF2B5EF4-FFF2-40B4-BE49-F238E27FC236}">
+                <a16:creationId xmlns:a16="http://schemas.microsoft.com/office/drawing/2014/main" id="{645845E7-4330-6C93-B730-5AC98E48B08E}"/>
               </a:ext>
             </a:extLst>
           </p:cNvPr>
@@ -3348,97 +3369,9 @@
           </a:stretch>
         </p:blipFill>
         <p:spPr>
-          <a:xfrm>
-            <a:off x="5053032" y="2651105"/>
-            <a:ext cx="1797587" cy="1797587"/>
-          </a:xfrm>
-          <a:prstGeom prst="rect">
-            <a:avLst/>
-          </a:prstGeom>
-        </p:spPr>
-      </p:pic>
-      <p:sp>
-        <p:nvSpPr>
-          <p:cNvPr id="6" name="Rectangle 5">
-            <a:extLst>
-              <a:ext uri="{FF2B5EF4-FFF2-40B4-BE49-F238E27FC236}">
-                <a16:creationId xmlns:a16="http://schemas.microsoft.com/office/drawing/2014/main" id="{2FC8D66D-A7DF-42BA-9CDC-9595E0DF4028}"/>
-              </a:ext>
-            </a:extLst>
-          </p:cNvPr>
-          <p:cNvSpPr/>
-          <p:nvPr/>
-        </p:nvSpPr>
-        <p:spPr>
-          <a:xfrm>
-            <a:off x="4564655" y="2156135"/>
-            <a:ext cx="3062689" cy="2655066"/>
-          </a:xfrm>
-          <a:prstGeom prst="rect">
-            <a:avLst/>
-          </a:prstGeom>
-          <a:noFill/>
-          <a:ln w="28575">
-            <a:solidFill>
-              <a:schemeClr val="tx1"/>
-            </a:solidFill>
-          </a:ln>
-        </p:spPr>
-        <p:style>
-          <a:lnRef idx="2">
-            <a:schemeClr val="accent1">
-              <a:shade val="15000"/>
-            </a:schemeClr>
-          </a:lnRef>
-          <a:fillRef idx="1">
-            <a:schemeClr val="accent1"/>
-          </a:fillRef>
-          <a:effectRef idx="0">
-            <a:schemeClr val="accent1"/>
-          </a:effectRef>
-          <a:fontRef idx="minor">
-            <a:schemeClr val="lt1"/>
-          </a:fontRef>
-        </p:style>
-        <p:txBody>
-          <a:bodyPr rtlCol="0" anchor="ctr"/>
-          <a:lstStyle/>
-          <a:p>
-            <a:pPr algn="ctr"/>
-            <a:endParaRPr lang="en-US"/>
-          </a:p>
-        </p:txBody>
-      </p:sp>
-      <p:pic>
-        <p:nvPicPr>
-          <p:cNvPr id="8" name="Graphic 7" descr="Radioactive outline">
-            <a:extLst>
-              <a:ext uri="{FF2B5EF4-FFF2-40B4-BE49-F238E27FC236}">
-                <a16:creationId xmlns:a16="http://schemas.microsoft.com/office/drawing/2014/main" id="{9239E31A-8CA8-0813-310D-8199D967B431}"/>
-              </a:ext>
-            </a:extLst>
-          </p:cNvPr>
-          <p:cNvPicPr>
-            <a:picLocks noChangeAspect="1"/>
-          </p:cNvPicPr>
-          <p:nvPr/>
-        </p:nvPicPr>
-        <p:blipFill>
-          <a:blip r:embed="rId4">
-            <a:extLst>
-              <a:ext uri="{96DAC541-7B7A-43D3-8B79-37D633B846F1}">
-                <asvg:svgBlip xmlns:asvg="http://schemas.microsoft.com/office/drawing/2016/SVG/main" r:embed="rId5"/>
-              </a:ext>
-            </a:extLst>
-          </a:blip>
-          <a:stretch>
-            <a:fillRect/>
-          </a:stretch>
-        </p:blipFill>
-        <p:spPr>
-          <a:xfrm>
-            <a:off x="4865323" y="2127676"/>
-            <a:ext cx="914400" cy="914400"/>
+          <a:xfrm rot="16200000">
+            <a:off x="3697357" y="1030357"/>
+            <a:ext cx="4810539" cy="4810539"/>
           </a:xfrm>
           <a:prstGeom prst="rect">
             <a:avLst/>
@@ -3447,10 +3380,10 @@
       </p:pic>
       <p:pic>
         <p:nvPicPr>
-          <p:cNvPr id="10" name="Graphic 9" descr="Skull outline">
-            <a:extLst>
-              <a:ext uri="{FF2B5EF4-FFF2-40B4-BE49-F238E27FC236}">
-                <a16:creationId xmlns:a16="http://schemas.microsoft.com/office/drawing/2014/main" id="{2DF20010-B127-7022-EA9A-56F614A4FE84}"/>
+          <p:cNvPr id="11" name="Graphic 10" descr="Normal Distribution with solid fill">
+            <a:extLst>
+              <a:ext uri="{FF2B5EF4-FFF2-40B4-BE49-F238E27FC236}">
+                <a16:creationId xmlns:a16="http://schemas.microsoft.com/office/drawing/2014/main" id="{AE1A11FA-BF52-8A7B-21CE-C774F6B33760}"/>
               </a:ext>
             </a:extLst>
           </p:cNvPr>
@@ -3460,10 +3393,10 @@
           <p:nvPr/>
         </p:nvPicPr>
         <p:blipFill>
-          <a:blip r:embed="rId6">
+          <a:blip r:embed="rId4">
             <a:extLst>
               <a:ext uri="{96DAC541-7B7A-43D3-8B79-37D633B846F1}">
-                <asvg:svgBlip xmlns:asvg="http://schemas.microsoft.com/office/drawing/2016/SVG/main" r:embed="rId7"/>
+                <asvg:svgBlip xmlns:asvg="http://schemas.microsoft.com/office/drawing/2016/SVG/main" r:embed="rId5"/>
               </a:ext>
             </a:extLst>
           </a:blip>
@@ -3473,821 +3406,18 @@
         </p:blipFill>
         <p:spPr>
           <a:xfrm>
-            <a:off x="5095001" y="2696551"/>
-            <a:ext cx="1780600" cy="1780600"/>
+            <a:off x="4943061" y="2276061"/>
+            <a:ext cx="2305878" cy="2305878"/>
           </a:xfrm>
           <a:prstGeom prst="rect">
             <a:avLst/>
           </a:prstGeom>
         </p:spPr>
       </p:pic>
-      <p:pic>
-        <p:nvPicPr>
-          <p:cNvPr id="14" name="Graphic 13" descr="Cat with solid fill">
-            <a:extLst>
-              <a:ext uri="{FF2B5EF4-FFF2-40B4-BE49-F238E27FC236}">
-                <a16:creationId xmlns:a16="http://schemas.microsoft.com/office/drawing/2014/main" id="{9965A56D-C7BA-1A22-2D54-D1674E2A61F7}"/>
-              </a:ext>
-            </a:extLst>
-          </p:cNvPr>
-          <p:cNvPicPr>
-            <a:picLocks noChangeAspect="1"/>
-          </p:cNvPicPr>
-          <p:nvPr/>
-        </p:nvPicPr>
-        <p:blipFill>
-          <a:blip r:embed="rId8">
-            <a:extLst>
-              <a:ext uri="{96DAC541-7B7A-43D3-8B79-37D633B846F1}">
-                <asvg:svgBlip xmlns:asvg="http://schemas.microsoft.com/office/drawing/2016/SVG/main" r:embed="rId9"/>
-              </a:ext>
-            </a:extLst>
-          </a:blip>
-          <a:stretch>
-            <a:fillRect/>
-          </a:stretch>
-        </p:blipFill>
-        <p:spPr>
-          <a:xfrm>
-            <a:off x="925670" y="2536895"/>
-            <a:ext cx="1968715" cy="1968715"/>
-          </a:xfrm>
-          <a:prstGeom prst="rect">
-            <a:avLst/>
-          </a:prstGeom>
-        </p:spPr>
-      </p:pic>
-      <p:cxnSp>
-        <p:nvCxnSpPr>
-          <p:cNvPr id="16" name="Straight Connector 15">
-            <a:extLst>
-              <a:ext uri="{FF2B5EF4-FFF2-40B4-BE49-F238E27FC236}">
-                <a16:creationId xmlns:a16="http://schemas.microsoft.com/office/drawing/2014/main" id="{3B6E1539-E653-F6D7-C31D-9910EC601134}"/>
-              </a:ext>
-            </a:extLst>
-          </p:cNvPr>
-          <p:cNvCxnSpPr>
-            <a:cxnSpLocks/>
-          </p:cNvCxnSpPr>
-          <p:nvPr/>
-        </p:nvCxnSpPr>
-        <p:spPr>
-          <a:xfrm>
-            <a:off x="535709" y="2156135"/>
-            <a:ext cx="0" cy="2683525"/>
-          </a:xfrm>
-          <a:prstGeom prst="line">
-            <a:avLst/>
-          </a:prstGeom>
-          <a:ln w="28575">
-            <a:solidFill>
-              <a:schemeClr val="tx1"/>
-            </a:solidFill>
-          </a:ln>
-        </p:spPr>
-        <p:style>
-          <a:lnRef idx="2">
-            <a:schemeClr val="accent1"/>
-          </a:lnRef>
-          <a:fillRef idx="0">
-            <a:schemeClr val="accent1"/>
-          </a:fillRef>
-          <a:effectRef idx="1">
-            <a:schemeClr val="accent1"/>
-          </a:effectRef>
-          <a:fontRef idx="minor">
-            <a:schemeClr val="tx1"/>
-          </a:fontRef>
-        </p:style>
-      </p:cxnSp>
-      <p:cxnSp>
-        <p:nvCxnSpPr>
-          <p:cNvPr id="18" name="Straight Connector 17">
-            <a:extLst>
-              <a:ext uri="{FF2B5EF4-FFF2-40B4-BE49-F238E27FC236}">
-                <a16:creationId xmlns:a16="http://schemas.microsoft.com/office/drawing/2014/main" id="{AEB9FF4D-2018-BC6E-FD46-D68928D2CDC5}"/>
-              </a:ext>
-            </a:extLst>
-          </p:cNvPr>
-          <p:cNvCxnSpPr>
-            <a:cxnSpLocks/>
-          </p:cNvCxnSpPr>
-          <p:nvPr/>
-        </p:nvCxnSpPr>
-        <p:spPr>
-          <a:xfrm>
-            <a:off x="547663" y="4823121"/>
-            <a:ext cx="2724727" cy="0"/>
-          </a:xfrm>
-          <a:prstGeom prst="line">
-            <a:avLst/>
-          </a:prstGeom>
-          <a:ln w="28575">
-            <a:solidFill>
-              <a:schemeClr val="tx1"/>
-            </a:solidFill>
-          </a:ln>
-        </p:spPr>
-        <p:style>
-          <a:lnRef idx="2">
-            <a:schemeClr val="accent1"/>
-          </a:lnRef>
-          <a:fillRef idx="0">
-            <a:schemeClr val="accent1"/>
-          </a:fillRef>
-          <a:effectRef idx="1">
-            <a:schemeClr val="accent1"/>
-          </a:effectRef>
-          <a:fontRef idx="minor">
-            <a:schemeClr val="tx1"/>
-          </a:fontRef>
-        </p:style>
-      </p:cxnSp>
-      <p:cxnSp>
-        <p:nvCxnSpPr>
-          <p:cNvPr id="21" name="Straight Connector 20">
-            <a:extLst>
-              <a:ext uri="{FF2B5EF4-FFF2-40B4-BE49-F238E27FC236}">
-                <a16:creationId xmlns:a16="http://schemas.microsoft.com/office/drawing/2014/main" id="{B636C6C4-326B-3F05-6315-EF347D9FFED8}"/>
-              </a:ext>
-            </a:extLst>
-          </p:cNvPr>
-          <p:cNvCxnSpPr>
-            <a:cxnSpLocks/>
-          </p:cNvCxnSpPr>
-          <p:nvPr/>
-        </p:nvCxnSpPr>
-        <p:spPr>
-          <a:xfrm>
-            <a:off x="3260436" y="2139596"/>
-            <a:ext cx="0" cy="2683525"/>
-          </a:xfrm>
-          <a:prstGeom prst="line">
-            <a:avLst/>
-          </a:prstGeom>
-          <a:ln w="28575">
-            <a:solidFill>
-              <a:schemeClr val="tx1"/>
-            </a:solidFill>
-          </a:ln>
-        </p:spPr>
-        <p:style>
-          <a:lnRef idx="2">
-            <a:schemeClr val="accent1"/>
-          </a:lnRef>
-          <a:fillRef idx="0">
-            <a:schemeClr val="accent1"/>
-          </a:fillRef>
-          <a:effectRef idx="1">
-            <a:schemeClr val="accent1"/>
-          </a:effectRef>
-          <a:fontRef idx="minor">
-            <a:schemeClr val="tx1"/>
-          </a:fontRef>
-        </p:style>
-      </p:cxnSp>
-      <p:pic>
-        <p:nvPicPr>
-          <p:cNvPr id="22" name="Graphic 21" descr="Cat with solid fill">
-            <a:extLst>
-              <a:ext uri="{FF2B5EF4-FFF2-40B4-BE49-F238E27FC236}">
-                <a16:creationId xmlns:a16="http://schemas.microsoft.com/office/drawing/2014/main" id="{087C2158-FD60-8F6E-35CC-5247FCA67DD8}"/>
-              </a:ext>
-            </a:extLst>
-          </p:cNvPr>
-          <p:cNvPicPr>
-            <a:picLocks noChangeAspect="1"/>
-          </p:cNvPicPr>
-          <p:nvPr/>
-        </p:nvPicPr>
-        <p:blipFill>
-          <a:blip r:embed="rId8">
-            <a:extLst>
-              <a:ext uri="{96DAC541-7B7A-43D3-8B79-37D633B846F1}">
-                <asvg:svgBlip xmlns:asvg="http://schemas.microsoft.com/office/drawing/2016/SVG/main" r:embed="rId9"/>
-              </a:ext>
-            </a:extLst>
-          </a:blip>
-          <a:stretch>
-            <a:fillRect/>
-          </a:stretch>
-        </p:blipFill>
-        <p:spPr>
-          <a:xfrm>
-            <a:off x="9417688" y="1328795"/>
-            <a:ext cx="1968715" cy="1968715"/>
-          </a:xfrm>
-          <a:prstGeom prst="rect">
-            <a:avLst/>
-          </a:prstGeom>
-        </p:spPr>
-      </p:pic>
-      <p:cxnSp>
-        <p:nvCxnSpPr>
-          <p:cNvPr id="23" name="Straight Connector 22">
-            <a:extLst>
-              <a:ext uri="{FF2B5EF4-FFF2-40B4-BE49-F238E27FC236}">
-                <a16:creationId xmlns:a16="http://schemas.microsoft.com/office/drawing/2014/main" id="{2500FE7D-1C1C-364B-0832-AA78A28F3DBE}"/>
-              </a:ext>
-            </a:extLst>
-          </p:cNvPr>
-          <p:cNvCxnSpPr>
-            <a:cxnSpLocks/>
-          </p:cNvCxnSpPr>
-          <p:nvPr/>
-        </p:nvCxnSpPr>
-        <p:spPr>
-          <a:xfrm>
-            <a:off x="9027727" y="948035"/>
-            <a:ext cx="0" cy="2683525"/>
-          </a:xfrm>
-          <a:prstGeom prst="line">
-            <a:avLst/>
-          </a:prstGeom>
-          <a:ln w="28575">
-            <a:solidFill>
-              <a:schemeClr val="tx1"/>
-            </a:solidFill>
-          </a:ln>
-        </p:spPr>
-        <p:style>
-          <a:lnRef idx="2">
-            <a:schemeClr val="accent1"/>
-          </a:lnRef>
-          <a:fillRef idx="0">
-            <a:schemeClr val="accent1"/>
-          </a:fillRef>
-          <a:effectRef idx="1">
-            <a:schemeClr val="accent1"/>
-          </a:effectRef>
-          <a:fontRef idx="minor">
-            <a:schemeClr val="tx1"/>
-          </a:fontRef>
-        </p:style>
-      </p:cxnSp>
-      <p:cxnSp>
-        <p:nvCxnSpPr>
-          <p:cNvPr id="24" name="Straight Connector 23">
-            <a:extLst>
-              <a:ext uri="{FF2B5EF4-FFF2-40B4-BE49-F238E27FC236}">
-                <a16:creationId xmlns:a16="http://schemas.microsoft.com/office/drawing/2014/main" id="{5429C5A5-2826-8AA0-C90A-BA06B730D9AD}"/>
-              </a:ext>
-            </a:extLst>
-          </p:cNvPr>
-          <p:cNvCxnSpPr>
-            <a:cxnSpLocks/>
-          </p:cNvCxnSpPr>
-          <p:nvPr/>
-        </p:nvCxnSpPr>
-        <p:spPr>
-          <a:xfrm>
-            <a:off x="9039681" y="3615021"/>
-            <a:ext cx="2724727" cy="0"/>
-          </a:xfrm>
-          <a:prstGeom prst="line">
-            <a:avLst/>
-          </a:prstGeom>
-          <a:ln w="28575">
-            <a:solidFill>
-              <a:schemeClr val="tx1"/>
-            </a:solidFill>
-          </a:ln>
-        </p:spPr>
-        <p:style>
-          <a:lnRef idx="2">
-            <a:schemeClr val="accent1"/>
-          </a:lnRef>
-          <a:fillRef idx="0">
-            <a:schemeClr val="accent1"/>
-          </a:fillRef>
-          <a:effectRef idx="1">
-            <a:schemeClr val="accent1"/>
-          </a:effectRef>
-          <a:fontRef idx="minor">
-            <a:schemeClr val="tx1"/>
-          </a:fontRef>
-        </p:style>
-      </p:cxnSp>
-      <p:cxnSp>
-        <p:nvCxnSpPr>
-          <p:cNvPr id="25" name="Straight Connector 24">
-            <a:extLst>
-              <a:ext uri="{FF2B5EF4-FFF2-40B4-BE49-F238E27FC236}">
-                <a16:creationId xmlns:a16="http://schemas.microsoft.com/office/drawing/2014/main" id="{4F38BCE8-0082-C4F9-FFE6-B9110F80983F}"/>
-              </a:ext>
-            </a:extLst>
-          </p:cNvPr>
-          <p:cNvCxnSpPr>
-            <a:cxnSpLocks/>
-          </p:cNvCxnSpPr>
-          <p:nvPr/>
-        </p:nvCxnSpPr>
-        <p:spPr>
-          <a:xfrm>
-            <a:off x="11752454" y="931496"/>
-            <a:ext cx="0" cy="2683525"/>
-          </a:xfrm>
-          <a:prstGeom prst="line">
-            <a:avLst/>
-          </a:prstGeom>
-          <a:ln w="28575">
-            <a:solidFill>
-              <a:schemeClr val="tx1"/>
-            </a:solidFill>
-          </a:ln>
-        </p:spPr>
-        <p:style>
-          <a:lnRef idx="2">
-            <a:schemeClr val="accent1"/>
-          </a:lnRef>
-          <a:fillRef idx="0">
-            <a:schemeClr val="accent1"/>
-          </a:fillRef>
-          <a:effectRef idx="1">
-            <a:schemeClr val="accent1"/>
-          </a:effectRef>
-          <a:fontRef idx="minor">
-            <a:schemeClr val="tx1"/>
-          </a:fontRef>
-        </p:style>
-      </p:cxnSp>
-      <p:cxnSp>
-        <p:nvCxnSpPr>
-          <p:cNvPr id="27" name="Straight Connector 26">
-            <a:extLst>
-              <a:ext uri="{FF2B5EF4-FFF2-40B4-BE49-F238E27FC236}">
-                <a16:creationId xmlns:a16="http://schemas.microsoft.com/office/drawing/2014/main" id="{EE3C6A15-4597-BCA1-6C42-37C308043A42}"/>
-              </a:ext>
-            </a:extLst>
-          </p:cNvPr>
-          <p:cNvCxnSpPr>
-            <a:cxnSpLocks/>
-          </p:cNvCxnSpPr>
-          <p:nvPr/>
-        </p:nvCxnSpPr>
-        <p:spPr>
-          <a:xfrm>
-            <a:off x="8645236" y="415636"/>
-            <a:ext cx="382491" cy="532399"/>
-          </a:xfrm>
-          <a:prstGeom prst="line">
-            <a:avLst/>
-          </a:prstGeom>
-          <a:ln w="28575">
-            <a:solidFill>
-              <a:schemeClr val="tx1"/>
-            </a:solidFill>
-          </a:ln>
-        </p:spPr>
-        <p:style>
-          <a:lnRef idx="2">
-            <a:schemeClr val="accent1"/>
-          </a:lnRef>
-          <a:fillRef idx="0">
-            <a:schemeClr val="accent1"/>
-          </a:fillRef>
-          <a:effectRef idx="1">
-            <a:schemeClr val="accent1"/>
-          </a:effectRef>
-          <a:fontRef idx="minor">
-            <a:schemeClr val="tx1"/>
-          </a:fontRef>
-        </p:style>
-      </p:cxnSp>
-      <p:cxnSp>
-        <p:nvCxnSpPr>
-          <p:cNvPr id="28" name="Straight Connector 27">
-            <a:extLst>
-              <a:ext uri="{FF2B5EF4-FFF2-40B4-BE49-F238E27FC236}">
-                <a16:creationId xmlns:a16="http://schemas.microsoft.com/office/drawing/2014/main" id="{B090A177-392D-E67D-6C88-E25A968E933E}"/>
-              </a:ext>
-            </a:extLst>
-          </p:cNvPr>
-          <p:cNvCxnSpPr>
-            <a:cxnSpLocks/>
-          </p:cNvCxnSpPr>
-          <p:nvPr/>
-        </p:nvCxnSpPr>
-        <p:spPr>
-          <a:xfrm flipH="1">
-            <a:off x="11752454" y="491948"/>
-            <a:ext cx="366052" cy="439547"/>
-          </a:xfrm>
-          <a:prstGeom prst="line">
-            <a:avLst/>
-          </a:prstGeom>
-          <a:ln w="28575"/>
-        </p:spPr>
-        <p:style>
-          <a:lnRef idx="2">
-            <a:schemeClr val="accent1"/>
-          </a:lnRef>
-          <a:fillRef idx="0">
-            <a:schemeClr val="accent1"/>
-          </a:fillRef>
-          <a:effectRef idx="1">
-            <a:schemeClr val="accent1"/>
-          </a:effectRef>
-          <a:fontRef idx="minor">
-            <a:schemeClr val="tx1"/>
-          </a:fontRef>
-        </p:style>
-      </p:cxnSp>
-      <p:cxnSp>
-        <p:nvCxnSpPr>
-          <p:cNvPr id="46" name="Straight Connector 45">
-            <a:extLst>
-              <a:ext uri="{FF2B5EF4-FFF2-40B4-BE49-F238E27FC236}">
-                <a16:creationId xmlns:a16="http://schemas.microsoft.com/office/drawing/2014/main" id="{BC64C094-F462-9C92-12E6-70A514E22CD9}"/>
-              </a:ext>
-            </a:extLst>
-          </p:cNvPr>
-          <p:cNvCxnSpPr>
-            <a:cxnSpLocks/>
-          </p:cNvCxnSpPr>
-          <p:nvPr/>
-        </p:nvCxnSpPr>
-        <p:spPr>
-          <a:xfrm>
-            <a:off x="9027727" y="4119358"/>
-            <a:ext cx="0" cy="2683525"/>
-          </a:xfrm>
-          <a:prstGeom prst="line">
-            <a:avLst/>
-          </a:prstGeom>
-          <a:ln w="28575">
-            <a:solidFill>
-              <a:schemeClr val="tx1"/>
-            </a:solidFill>
-          </a:ln>
-        </p:spPr>
-        <p:style>
-          <a:lnRef idx="2">
-            <a:schemeClr val="accent1"/>
-          </a:lnRef>
-          <a:fillRef idx="0">
-            <a:schemeClr val="accent1"/>
-          </a:fillRef>
-          <a:effectRef idx="1">
-            <a:schemeClr val="accent1"/>
-          </a:effectRef>
-          <a:fontRef idx="minor">
-            <a:schemeClr val="tx1"/>
-          </a:fontRef>
-        </p:style>
-      </p:cxnSp>
-      <p:cxnSp>
-        <p:nvCxnSpPr>
-          <p:cNvPr id="47" name="Straight Connector 46">
-            <a:extLst>
-              <a:ext uri="{FF2B5EF4-FFF2-40B4-BE49-F238E27FC236}">
-                <a16:creationId xmlns:a16="http://schemas.microsoft.com/office/drawing/2014/main" id="{6CC064D4-2A04-0537-5C8C-7189CF4F26A2}"/>
-              </a:ext>
-            </a:extLst>
-          </p:cNvPr>
-          <p:cNvCxnSpPr>
-            <a:cxnSpLocks/>
-          </p:cNvCxnSpPr>
-          <p:nvPr/>
-        </p:nvCxnSpPr>
-        <p:spPr>
-          <a:xfrm>
-            <a:off x="9039681" y="6786344"/>
-            <a:ext cx="2724727" cy="0"/>
-          </a:xfrm>
-          <a:prstGeom prst="line">
-            <a:avLst/>
-          </a:prstGeom>
-          <a:ln w="28575">
-            <a:solidFill>
-              <a:schemeClr val="tx1"/>
-            </a:solidFill>
-          </a:ln>
-        </p:spPr>
-        <p:style>
-          <a:lnRef idx="2">
-            <a:schemeClr val="accent1"/>
-          </a:lnRef>
-          <a:fillRef idx="0">
-            <a:schemeClr val="accent1"/>
-          </a:fillRef>
-          <a:effectRef idx="1">
-            <a:schemeClr val="accent1"/>
-          </a:effectRef>
-          <a:fontRef idx="minor">
-            <a:schemeClr val="tx1"/>
-          </a:fontRef>
-        </p:style>
-      </p:cxnSp>
-      <p:cxnSp>
-        <p:nvCxnSpPr>
-          <p:cNvPr id="48" name="Straight Connector 47">
-            <a:extLst>
-              <a:ext uri="{FF2B5EF4-FFF2-40B4-BE49-F238E27FC236}">
-                <a16:creationId xmlns:a16="http://schemas.microsoft.com/office/drawing/2014/main" id="{AAD2FE3B-A117-8C61-410E-FE0339E05AC5}"/>
-              </a:ext>
-            </a:extLst>
-          </p:cNvPr>
-          <p:cNvCxnSpPr>
-            <a:cxnSpLocks/>
-          </p:cNvCxnSpPr>
-          <p:nvPr/>
-        </p:nvCxnSpPr>
-        <p:spPr>
-          <a:xfrm>
-            <a:off x="11752454" y="4102819"/>
-            <a:ext cx="0" cy="2683525"/>
-          </a:xfrm>
-          <a:prstGeom prst="line">
-            <a:avLst/>
-          </a:prstGeom>
-          <a:ln w="28575">
-            <a:solidFill>
-              <a:schemeClr val="tx1"/>
-            </a:solidFill>
-          </a:ln>
-        </p:spPr>
-        <p:style>
-          <a:lnRef idx="2">
-            <a:schemeClr val="accent1"/>
-          </a:lnRef>
-          <a:fillRef idx="0">
-            <a:schemeClr val="accent1"/>
-          </a:fillRef>
-          <a:effectRef idx="1">
-            <a:schemeClr val="accent1"/>
-          </a:effectRef>
-          <a:fontRef idx="minor">
-            <a:schemeClr val="tx1"/>
-          </a:fontRef>
-        </p:style>
-      </p:cxnSp>
-      <p:cxnSp>
-        <p:nvCxnSpPr>
-          <p:cNvPr id="49" name="Straight Connector 48">
-            <a:extLst>
-              <a:ext uri="{FF2B5EF4-FFF2-40B4-BE49-F238E27FC236}">
-                <a16:creationId xmlns:a16="http://schemas.microsoft.com/office/drawing/2014/main" id="{B6E0C4BA-DCE1-0121-3C0B-5351222BA282}"/>
-              </a:ext>
-            </a:extLst>
-          </p:cNvPr>
-          <p:cNvCxnSpPr>
-            <a:cxnSpLocks/>
-          </p:cNvCxnSpPr>
-          <p:nvPr/>
-        </p:nvCxnSpPr>
-        <p:spPr>
-          <a:xfrm>
-            <a:off x="8645236" y="3586959"/>
-            <a:ext cx="382491" cy="532399"/>
-          </a:xfrm>
-          <a:prstGeom prst="line">
-            <a:avLst/>
-          </a:prstGeom>
-          <a:ln w="28575">
-            <a:solidFill>
-              <a:schemeClr val="tx1"/>
-            </a:solidFill>
-          </a:ln>
-        </p:spPr>
-        <p:style>
-          <a:lnRef idx="2">
-            <a:schemeClr val="accent1"/>
-          </a:lnRef>
-          <a:fillRef idx="0">
-            <a:schemeClr val="accent1"/>
-          </a:fillRef>
-          <a:effectRef idx="1">
-            <a:schemeClr val="accent1"/>
-          </a:effectRef>
-          <a:fontRef idx="minor">
-            <a:schemeClr val="tx1"/>
-          </a:fontRef>
-        </p:style>
-      </p:cxnSp>
-      <p:cxnSp>
-        <p:nvCxnSpPr>
-          <p:cNvPr id="50" name="Straight Connector 49">
-            <a:extLst>
-              <a:ext uri="{FF2B5EF4-FFF2-40B4-BE49-F238E27FC236}">
-                <a16:creationId xmlns:a16="http://schemas.microsoft.com/office/drawing/2014/main" id="{123D839D-C7A3-6C42-0E53-2A52A6409D60}"/>
-              </a:ext>
-            </a:extLst>
-          </p:cNvPr>
-          <p:cNvCxnSpPr>
-            <a:cxnSpLocks/>
-          </p:cNvCxnSpPr>
-          <p:nvPr/>
-        </p:nvCxnSpPr>
-        <p:spPr>
-          <a:xfrm flipH="1">
-            <a:off x="11752454" y="3663271"/>
-            <a:ext cx="366052" cy="439547"/>
-          </a:xfrm>
-          <a:prstGeom prst="line">
-            <a:avLst/>
-          </a:prstGeom>
-          <a:ln w="28575">
-            <a:solidFill>
-              <a:schemeClr val="tx1"/>
-            </a:solidFill>
-          </a:ln>
-        </p:spPr>
-        <p:style>
-          <a:lnRef idx="2">
-            <a:schemeClr val="accent1"/>
-          </a:lnRef>
-          <a:fillRef idx="0">
-            <a:schemeClr val="accent1"/>
-          </a:fillRef>
-          <a:effectRef idx="1">
-            <a:schemeClr val="accent1"/>
-          </a:effectRef>
-          <a:fontRef idx="minor">
-            <a:schemeClr val="tx1"/>
-          </a:fontRef>
-        </p:style>
-      </p:cxnSp>
-      <p:pic>
-        <p:nvPicPr>
-          <p:cNvPr id="52" name="Graphic 51" descr="Skull outline">
-            <a:extLst>
-              <a:ext uri="{FF2B5EF4-FFF2-40B4-BE49-F238E27FC236}">
-                <a16:creationId xmlns:a16="http://schemas.microsoft.com/office/drawing/2014/main" id="{DD9BB230-5035-BB02-1B51-E16E6332249C}"/>
-              </a:ext>
-            </a:extLst>
-          </p:cNvPr>
-          <p:cNvPicPr>
-            <a:picLocks noChangeAspect="1"/>
-          </p:cNvPicPr>
-          <p:nvPr/>
-        </p:nvPicPr>
-        <p:blipFill>
-          <a:blip r:embed="rId10">
-            <a:extLst>
-              <a:ext uri="{96DAC541-7B7A-43D3-8B79-37D633B846F1}">
-                <asvg:svgBlip xmlns:asvg="http://schemas.microsoft.com/office/drawing/2016/SVG/main" r:embed="rId11"/>
-              </a:ext>
-            </a:extLst>
-          </a:blip>
-          <a:stretch>
-            <a:fillRect/>
-          </a:stretch>
-        </p:blipFill>
-        <p:spPr>
-          <a:xfrm>
-            <a:off x="9493611" y="4322629"/>
-            <a:ext cx="1892791" cy="1892791"/>
-          </a:xfrm>
-          <a:prstGeom prst="rect">
-            <a:avLst/>
-          </a:prstGeom>
-        </p:spPr>
-      </p:pic>
-      <p:sp>
-        <p:nvSpPr>
-          <p:cNvPr id="53" name="TextBox 52">
-            <a:extLst>
-              <a:ext uri="{FF2B5EF4-FFF2-40B4-BE49-F238E27FC236}">
-                <a16:creationId xmlns:a16="http://schemas.microsoft.com/office/drawing/2014/main" id="{8565E527-48B6-75E1-DFD2-228B54B4A8A7}"/>
-              </a:ext>
-            </a:extLst>
-          </p:cNvPr>
-          <p:cNvSpPr txBox="1"/>
-          <p:nvPr/>
-        </p:nvSpPr>
-        <p:spPr>
-          <a:xfrm>
-            <a:off x="547672" y="4978400"/>
-            <a:ext cx="1930400" cy="369332"/>
-          </a:xfrm>
-          <a:prstGeom prst="rect">
-            <a:avLst/>
-          </a:prstGeom>
-          <a:noFill/>
-        </p:spPr>
-        <p:txBody>
-          <a:bodyPr wrap="square" rtlCol="0">
-            <a:spAutoFit/>
-          </a:bodyPr>
-          <a:lstStyle/>
-          <a:p>
-            <a:r>
-              <a:rPr lang="en-US" dirty="0"/>
-              <a:t>a)</a:t>
-            </a:r>
-          </a:p>
-        </p:txBody>
-      </p:sp>
-      <p:sp>
-        <p:nvSpPr>
-          <p:cNvPr id="54" name="TextBox 53">
-            <a:extLst>
-              <a:ext uri="{FF2B5EF4-FFF2-40B4-BE49-F238E27FC236}">
-                <a16:creationId xmlns:a16="http://schemas.microsoft.com/office/drawing/2014/main" id="{67559EFA-3496-0D27-A5BC-08B4F19BCCBB}"/>
-              </a:ext>
-            </a:extLst>
-          </p:cNvPr>
-          <p:cNvSpPr txBox="1"/>
-          <p:nvPr/>
-        </p:nvSpPr>
-        <p:spPr>
-          <a:xfrm>
-            <a:off x="4531177" y="4908806"/>
-            <a:ext cx="1043709" cy="369332"/>
-          </a:xfrm>
-          <a:prstGeom prst="rect">
-            <a:avLst/>
-          </a:prstGeom>
-          <a:noFill/>
-        </p:spPr>
-        <p:txBody>
-          <a:bodyPr wrap="square" rtlCol="0">
-            <a:spAutoFit/>
-          </a:bodyPr>
-          <a:lstStyle/>
-          <a:p>
-            <a:r>
-              <a:rPr lang="en-US" dirty="0"/>
-              <a:t>b)</a:t>
-            </a:r>
-          </a:p>
-        </p:txBody>
-      </p:sp>
-      <p:sp>
-        <p:nvSpPr>
-          <p:cNvPr id="55" name="TextBox 54">
-            <a:extLst>
-              <a:ext uri="{FF2B5EF4-FFF2-40B4-BE49-F238E27FC236}">
-                <a16:creationId xmlns:a16="http://schemas.microsoft.com/office/drawing/2014/main" id="{E6C4EBE0-2F02-F361-C34E-B9C41FC57DDC}"/>
-              </a:ext>
-            </a:extLst>
-          </p:cNvPr>
-          <p:cNvSpPr txBox="1"/>
-          <p:nvPr/>
-        </p:nvSpPr>
-        <p:spPr>
-          <a:xfrm>
-            <a:off x="8216083" y="1435833"/>
-            <a:ext cx="1276511" cy="369332"/>
-          </a:xfrm>
-          <a:prstGeom prst="rect">
-            <a:avLst/>
-          </a:prstGeom>
-          <a:noFill/>
-        </p:spPr>
-        <p:txBody>
-          <a:bodyPr wrap="square" rtlCol="0">
-            <a:spAutoFit/>
-          </a:bodyPr>
-          <a:lstStyle/>
-          <a:p>
-            <a:r>
-              <a:rPr lang="en-US" dirty="0"/>
-              <a:t>c)</a:t>
-            </a:r>
-          </a:p>
-        </p:txBody>
-      </p:sp>
-      <p:sp>
-        <p:nvSpPr>
-          <p:cNvPr id="56" name="TextBox 55">
-            <a:extLst>
-              <a:ext uri="{FF2B5EF4-FFF2-40B4-BE49-F238E27FC236}">
-                <a16:creationId xmlns:a16="http://schemas.microsoft.com/office/drawing/2014/main" id="{74622C9B-8141-AC47-6D25-D42F3E42065F}"/>
-              </a:ext>
-            </a:extLst>
-          </p:cNvPr>
-          <p:cNvSpPr txBox="1"/>
-          <p:nvPr/>
-        </p:nvSpPr>
-        <p:spPr>
-          <a:xfrm>
-            <a:off x="8216083" y="5347732"/>
-            <a:ext cx="1094502" cy="369332"/>
-          </a:xfrm>
-          <a:prstGeom prst="rect">
-            <a:avLst/>
-          </a:prstGeom>
-          <a:noFill/>
-        </p:spPr>
-        <p:txBody>
-          <a:bodyPr wrap="square" rtlCol="0">
-            <a:spAutoFit/>
-          </a:bodyPr>
-          <a:lstStyle/>
-          <a:p>
-            <a:r>
-              <a:rPr lang="en-US" dirty="0"/>
-              <a:t>d)</a:t>
-            </a:r>
-          </a:p>
-        </p:txBody>
-      </p:sp>
     </p:spTree>
     <p:extLst>
       <p:ext uri="{BB962C8B-B14F-4D97-AF65-F5344CB8AC3E}">
-        <p14:creationId xmlns:p14="http://schemas.microsoft.com/office/powerpoint/2010/main" val="3643934615"/>
+        <p14:creationId xmlns:p14="http://schemas.microsoft.com/office/powerpoint/2010/main" val="479731447"/>
       </p:ext>
     </p:extLst>
   </p:cSld>
